--- a/T3. Code Testing/Unittest/Demo.pptx
+++ b/T3. Code Testing/Unittest/Demo.pptx
@@ -211,7 +211,7 @@
           <a:p>
             <a:fld id="{C6576F63-835E-46F5-AEB3-90A06FD74112}" type="datetimeFigureOut">
               <a:rPr lang="en-US" smtClean="0"/>
-              <a:t>9/13/2018</a:t>
+              <a:t>10/11/19</a:t>
             </a:fld>
             <a:endParaRPr lang="en-US"/>
           </a:p>
@@ -523,10 +523,9 @@
           <a:lstStyle/>
           <a:p>
             <a:r>
-              <a:rPr lang="en-US" dirty="0" smtClean="0"/>
+              <a:rPr lang="en-US" dirty="0"/>
               <a:t>* https://docs.python.org/3.6/library/unittest.html</a:t>
             </a:r>
-            <a:endParaRPr lang="en-US" dirty="0"/>
           </a:p>
         </p:txBody>
       </p:sp>
@@ -611,7 +610,7 @@
           <a:lstStyle/>
           <a:p>
             <a:r>
-              <a:rPr lang="en-US" sz="1200" b="0" i="0" kern="1200" dirty="0" smtClean="0">
+              <a:rPr lang="en-US" sz="1200" b="0" i="0" kern="1200" dirty="0">
                 <a:solidFill>
                   <a:schemeClr val="tx1"/>
                 </a:solidFill>
@@ -623,7 +622,7 @@
               <a:t>If the </a:t>
             </a:r>
             <a:r>
-              <a:rPr lang="en-US" sz="1200" b="0" i="0" u="none" strike="noStrike" kern="1200" dirty="0" err="1" smtClean="0">
+              <a:rPr lang="en-US" sz="1200" b="0" i="0" u="none" strike="noStrike" kern="1200" dirty="0" err="1">
                 <a:solidFill>
                   <a:schemeClr val="tx1"/>
                 </a:solidFill>
@@ -636,7 +635,7 @@
               <a:t>setUp</a:t>
             </a:r>
             <a:r>
-              <a:rPr lang="en-US" sz="1200" b="0" i="0" u="none" strike="noStrike" kern="1200" dirty="0" smtClean="0">
+              <a:rPr lang="en-US" sz="1200" b="0" i="0" u="none" strike="noStrike" kern="1200" dirty="0">
                 <a:solidFill>
                   <a:schemeClr val="tx1"/>
                 </a:solidFill>
@@ -649,7 +648,7 @@
               <a:t>()</a:t>
             </a:r>
             <a:r>
-              <a:rPr lang="en-US" sz="1200" b="0" i="0" kern="1200" dirty="0" smtClean="0">
+              <a:rPr lang="en-US" sz="1200" b="0" i="0" kern="1200" dirty="0">
                 <a:solidFill>
                   <a:schemeClr val="tx1"/>
                 </a:solidFill>
@@ -663,7 +662,7 @@
           </a:p>
           <a:p>
             <a:r>
-              <a:rPr lang="en-US" sz="1200" b="0" i="0" kern="1200" dirty="0" smtClean="0">
+              <a:rPr lang="en-US" sz="1200" b="0" i="0" kern="1200" dirty="0">
                 <a:solidFill>
                   <a:schemeClr val="tx1"/>
                 </a:solidFill>
@@ -675,7 +674,7 @@
               <a:t>Similarly, we can provide a </a:t>
             </a:r>
             <a:r>
-              <a:rPr lang="en-US" sz="1200" b="0" i="0" u="none" strike="noStrike" kern="1200" dirty="0" err="1" smtClean="0">
+              <a:rPr lang="en-US" sz="1200" b="0" i="0" u="none" strike="noStrike" kern="1200" dirty="0" err="1">
                 <a:solidFill>
                   <a:schemeClr val="tx1"/>
                 </a:solidFill>
@@ -688,7 +687,7 @@
               <a:t>tearDown</a:t>
             </a:r>
             <a:r>
-              <a:rPr lang="en-US" sz="1200" b="0" i="0" u="none" strike="noStrike" kern="1200" dirty="0" smtClean="0">
+              <a:rPr lang="en-US" sz="1200" b="0" i="0" u="none" strike="noStrike" kern="1200" dirty="0">
                 <a:solidFill>
                   <a:schemeClr val="tx1"/>
                 </a:solidFill>
@@ -701,7 +700,7 @@
               <a:t>()</a:t>
             </a:r>
             <a:r>
-              <a:rPr lang="en-US" sz="1200" b="0" i="0" kern="1200" dirty="0" smtClean="0">
+              <a:rPr lang="en-US" sz="1200" b="0" i="0" kern="1200" dirty="0">
                 <a:solidFill>
                   <a:schemeClr val="tx1"/>
                 </a:solidFill>
@@ -714,7 +713,7 @@
             </a:r>
           </a:p>
           <a:p>
-            <a:endParaRPr lang="en-US" sz="1200" b="0" i="0" kern="1200" dirty="0" smtClean="0">
+            <a:endParaRPr lang="en-US" sz="1200" b="0" i="0" kern="1200" dirty="0">
               <a:solidFill>
                 <a:schemeClr val="tx1"/>
               </a:solidFill>
@@ -809,7 +808,7 @@
           <a:bodyPr/>
           <a:lstStyle/>
           <a:p>
-            <a:endParaRPr lang="en-US" sz="1200" b="0" i="0" kern="1200" dirty="0" smtClean="0">
+            <a:endParaRPr lang="en-US" sz="1200" b="0" i="0" kern="1200" dirty="0">
               <a:solidFill>
                 <a:schemeClr val="tx1"/>
               </a:solidFill>
@@ -821,7 +820,7 @@
           </a:p>
           <a:p>
             <a:r>
-              <a:rPr lang="en-US" sz="1200" b="0" i="0" kern="1200" dirty="0" smtClean="0">
+              <a:rPr lang="en-US" sz="1200" b="0" i="0" kern="1200" dirty="0">
                 <a:solidFill>
                   <a:schemeClr val="tx1"/>
                 </a:solidFill>
@@ -833,7 +832,7 @@
               <a:t>If </a:t>
             </a:r>
             <a:r>
-              <a:rPr lang="en-US" sz="1200" b="0" i="0" u="none" strike="noStrike" kern="1200" dirty="0" err="1" smtClean="0">
+              <a:rPr lang="en-US" sz="1200" b="0" i="0" u="none" strike="noStrike" kern="1200" dirty="0" err="1">
                 <a:solidFill>
                   <a:schemeClr val="tx1"/>
                 </a:solidFill>
@@ -846,7 +845,7 @@
               <a:t>setUp</a:t>
             </a:r>
             <a:r>
-              <a:rPr lang="en-US" sz="1200" b="0" i="0" u="none" strike="noStrike" kern="1200" dirty="0" smtClean="0">
+              <a:rPr lang="en-US" sz="1200" b="0" i="0" u="none" strike="noStrike" kern="1200" dirty="0">
                 <a:solidFill>
                   <a:schemeClr val="tx1"/>
                 </a:solidFill>
@@ -859,7 +858,7 @@
               <a:t>()</a:t>
             </a:r>
             <a:r>
-              <a:rPr lang="en-US" sz="1200" b="0" i="0" kern="1200" dirty="0" smtClean="0">
+              <a:rPr lang="en-US" sz="1200" b="0" i="0" kern="1200" dirty="0">
                 <a:solidFill>
                   <a:schemeClr val="tx1"/>
                 </a:solidFill>
@@ -871,7 +870,7 @@
               <a:t> succeeded, </a:t>
             </a:r>
             <a:r>
-              <a:rPr lang="en-US" sz="1200" b="0" i="0" u="none" strike="noStrike" kern="1200" dirty="0" err="1" smtClean="0">
+              <a:rPr lang="en-US" sz="1200" b="0" i="0" u="none" strike="noStrike" kern="1200" dirty="0" err="1">
                 <a:solidFill>
                   <a:schemeClr val="tx1"/>
                 </a:solidFill>
@@ -884,7 +883,7 @@
               <a:t>tearDown</a:t>
             </a:r>
             <a:r>
-              <a:rPr lang="en-US" sz="1200" b="0" i="0" u="none" strike="noStrike" kern="1200" dirty="0" smtClean="0">
+              <a:rPr lang="en-US" sz="1200" b="0" i="0" u="none" strike="noStrike" kern="1200" dirty="0">
                 <a:solidFill>
                   <a:schemeClr val="tx1"/>
                 </a:solidFill>
@@ -897,7 +896,7 @@
               <a:t>()</a:t>
             </a:r>
             <a:r>
-              <a:rPr lang="en-US" sz="1200" b="0" i="0" kern="1200" dirty="0" smtClean="0">
+              <a:rPr lang="en-US" sz="1200" b="0" i="0" kern="1200" dirty="0">
                 <a:solidFill>
                   <a:schemeClr val="tx1"/>
                 </a:solidFill>
@@ -993,7 +992,7 @@
           <a:lstStyle/>
           <a:p>
             <a:r>
-              <a:rPr lang="en-US" sz="1200" b="0" i="0" kern="1200" dirty="0" smtClean="0">
+              <a:rPr lang="en-US" sz="1200" b="0" i="0" kern="1200" dirty="0">
                 <a:solidFill>
                   <a:schemeClr val="tx1"/>
                 </a:solidFill>
@@ -1007,7 +1006,7 @@
           </a:p>
           <a:p>
             <a:r>
-              <a:rPr lang="en-US" sz="1200" b="0" i="0" kern="1200" dirty="0" smtClean="0">
+              <a:rPr lang="en-US" sz="1200" b="0" i="0" kern="1200" dirty="0">
                 <a:solidFill>
                   <a:schemeClr val="tx1"/>
                 </a:solidFill>
@@ -1021,7 +1020,7 @@
           </a:p>
           <a:p>
             <a:r>
-              <a:rPr lang="en-US" sz="1200" b="0" i="0" kern="1200" dirty="0" smtClean="0">
+              <a:rPr lang="en-US" sz="1200" b="0" i="0" kern="1200" dirty="0">
                 <a:solidFill>
                   <a:schemeClr val="tx1"/>
                 </a:solidFill>
@@ -1035,7 +1034,7 @@
           </a:p>
           <a:p>
             <a:r>
-              <a:rPr lang="en-US" sz="1200" b="0" i="0" kern="1200" dirty="0" smtClean="0">
+              <a:rPr lang="en-US" sz="1200" b="0" i="0" kern="1200" dirty="0">
                 <a:solidFill>
                   <a:schemeClr val="tx1"/>
                 </a:solidFill>
@@ -1049,7 +1048,7 @@
           </a:p>
           <a:p>
             <a:r>
-              <a:rPr lang="en-US" sz="1200" b="0" i="0" kern="1200" dirty="0" smtClean="0">
+              <a:rPr lang="en-US" sz="1200" b="0" i="0" kern="1200" dirty="0">
                 <a:solidFill>
                   <a:schemeClr val="tx1"/>
                 </a:solidFill>
@@ -1063,7 +1062,7 @@
           </a:p>
           <a:p>
             <a:r>
-              <a:rPr lang="en-US" sz="1200" b="0" i="0" kern="1200" dirty="0" smtClean="0">
+              <a:rPr lang="en-US" sz="1200" b="0" i="0" kern="1200" dirty="0">
                 <a:solidFill>
                   <a:schemeClr val="tx1"/>
                 </a:solidFill>
@@ -1077,7 +1076,7 @@
           </a:p>
           <a:p>
             <a:r>
-              <a:rPr lang="en-US" sz="1200" b="0" i="0" kern="1200" dirty="0" smtClean="0">
+              <a:rPr lang="en-US" sz="1200" b="0" i="0" kern="1200" dirty="0">
                 <a:solidFill>
                   <a:schemeClr val="tx1"/>
                 </a:solidFill>
@@ -1091,7 +1090,7 @@
           </a:p>
           <a:p>
             <a:r>
-              <a:rPr lang="en-US" sz="1200" b="0" i="0" kern="1200" dirty="0" smtClean="0">
+              <a:rPr lang="en-US" sz="1200" b="0" i="0" kern="1200" dirty="0">
                 <a:solidFill>
                   <a:schemeClr val="tx1"/>
                 </a:solidFill>
@@ -1189,7 +1188,7 @@
           <a:lstStyle/>
           <a:p>
             <a:r>
-              <a:rPr lang="en-US" sz="1200" b="0" i="0" kern="1200" dirty="0" smtClean="0">
+              <a:rPr lang="en-US" sz="1200" b="0" i="0" kern="1200" dirty="0">
                 <a:solidFill>
                   <a:schemeClr val="tx1"/>
                 </a:solidFill>
@@ -1201,7 +1200,7 @@
               <a:t>In some cases, the existing tests may have been written using the </a:t>
             </a:r>
             <a:r>
-              <a:rPr lang="en-US" sz="1200" b="0" i="0" u="none" strike="noStrike" kern="1200" dirty="0" err="1" smtClean="0">
+              <a:rPr lang="en-US" sz="1200" b="0" i="0" u="none" strike="noStrike" kern="1200" dirty="0" err="1">
                 <a:solidFill>
                   <a:schemeClr val="tx1"/>
                 </a:solidFill>
@@ -1214,7 +1213,7 @@
               <a:t>doctest</a:t>
             </a:r>
             <a:r>
-              <a:rPr lang="en-US" sz="1200" b="0" i="0" kern="1200" dirty="0" smtClean="0">
+              <a:rPr lang="en-US" sz="1200" b="0" i="0" kern="1200" dirty="0">
                 <a:solidFill>
                   <a:schemeClr val="tx1"/>
                 </a:solidFill>
@@ -1226,7 +1225,7 @@
               <a:t> module. If so, </a:t>
             </a:r>
             <a:r>
-              <a:rPr lang="en-US" sz="1200" b="0" i="0" u="none" strike="noStrike" kern="1200" dirty="0" err="1" smtClean="0">
+              <a:rPr lang="en-US" sz="1200" b="0" i="0" u="none" strike="noStrike" kern="1200" dirty="0" err="1">
                 <a:solidFill>
                   <a:schemeClr val="tx1"/>
                 </a:solidFill>
@@ -1239,7 +1238,7 @@
               <a:t>doctest</a:t>
             </a:r>
             <a:r>
-              <a:rPr lang="en-US" sz="1200" b="0" i="0" kern="1200" dirty="0" err="1" smtClean="0">
+              <a:rPr lang="en-US" sz="1200" b="0" i="0" kern="1200" dirty="0" err="1">
                 <a:solidFill>
                   <a:schemeClr val="tx1"/>
                 </a:solidFill>
@@ -1251,7 +1250,7 @@
               <a:t>provides</a:t>
             </a:r>
             <a:r>
-              <a:rPr lang="en-US" sz="1200" b="0" i="0" kern="1200" dirty="0" smtClean="0">
+              <a:rPr lang="en-US" sz="1200" b="0" i="0" kern="1200" dirty="0">
                 <a:solidFill>
                   <a:schemeClr val="tx1"/>
                 </a:solidFill>
@@ -1263,13 +1262,13 @@
               <a:t> a </a:t>
             </a:r>
             <a:r>
-              <a:rPr lang="en-US" dirty="0" err="1" smtClean="0">
+              <a:rPr lang="en-US" dirty="0" err="1">
                 <a:effectLst/>
               </a:rPr>
               <a:t>DocTestSuite</a:t>
             </a:r>
             <a:r>
-              <a:rPr lang="en-US" sz="1200" b="0" i="0" kern="1200" dirty="0" smtClean="0">
+              <a:rPr lang="en-US" sz="1200" b="0" i="0" kern="1200" dirty="0">
                 <a:solidFill>
                   <a:schemeClr val="tx1"/>
                 </a:solidFill>
@@ -1281,7 +1280,7 @@
               <a:t> class that can automatically build </a:t>
             </a:r>
             <a:r>
-              <a:rPr lang="en-US" sz="1200" b="0" i="0" u="none" strike="noStrike" kern="1200" dirty="0" err="1" smtClean="0">
+              <a:rPr lang="en-US" sz="1200" b="0" i="0" u="none" strike="noStrike" kern="1200" dirty="0" err="1">
                 <a:solidFill>
                   <a:schemeClr val="tx1"/>
                 </a:solidFill>
@@ -1294,7 +1293,7 @@
               <a:t>unittest.TestSuite</a:t>
             </a:r>
             <a:r>
-              <a:rPr lang="en-US" sz="1200" b="0" i="0" kern="1200" dirty="0" smtClean="0">
+              <a:rPr lang="en-US" sz="1200" b="0" i="0" kern="1200" dirty="0">
                 <a:solidFill>
                   <a:schemeClr val="tx1"/>
                 </a:solidFill>
@@ -1306,7 +1305,7 @@
               <a:t> instances from the existing </a:t>
             </a:r>
             <a:r>
-              <a:rPr lang="en-US" sz="1200" b="0" i="0" u="none" strike="noStrike" kern="1200" dirty="0" err="1" smtClean="0">
+              <a:rPr lang="en-US" sz="1200" b="0" i="0" u="none" strike="noStrike" kern="1200" dirty="0" err="1">
                 <a:solidFill>
                   <a:schemeClr val="tx1"/>
                 </a:solidFill>
@@ -1319,7 +1318,7 @@
               <a:t>doctest</a:t>
             </a:r>
             <a:r>
-              <a:rPr lang="en-US" sz="1200" b="0" i="0" kern="1200" dirty="0" smtClean="0">
+              <a:rPr lang="en-US" sz="1200" b="0" i="0" kern="1200" dirty="0">
                 <a:solidFill>
                   <a:schemeClr val="tx1"/>
                 </a:solidFill>
@@ -1415,7 +1414,7 @@
           <a:lstStyle/>
           <a:p>
             <a:r>
-              <a:rPr lang="en-US" sz="1200" b="0" i="0" kern="1200" dirty="0" smtClean="0">
+              <a:rPr lang="en-US" sz="1200" b="0" i="0" kern="1200" dirty="0">
                 <a:solidFill>
                   <a:schemeClr val="tx1"/>
                 </a:solidFill>
@@ -1429,7 +1428,7 @@
           </a:p>
           <a:p>
             <a:r>
-              <a:rPr lang="en-US" sz="1200" b="1" i="0" kern="1200" dirty="0" smtClean="0">
+              <a:rPr lang="en-US" sz="1200" b="1" i="0" kern="1200" dirty="0">
                 <a:solidFill>
                   <a:schemeClr val="tx1"/>
                 </a:solidFill>
@@ -1441,7 +1440,7 @@
               <a:t>@</a:t>
             </a:r>
             <a:r>
-              <a:rPr lang="en-US" sz="1200" b="1" i="0" kern="1200" dirty="0" err="1" smtClean="0">
+              <a:rPr lang="en-US" sz="1200" b="1" i="0" kern="1200" dirty="0" err="1">
                 <a:solidFill>
                   <a:schemeClr val="tx1"/>
                 </a:solidFill>
@@ -1453,7 +1452,7 @@
               <a:t>unittest</a:t>
             </a:r>
             <a:r>
-              <a:rPr lang="en-US" sz="1200" b="0" i="0" kern="1200" dirty="0" err="1" smtClean="0">
+              <a:rPr lang="en-US" sz="1200" b="0" i="0" kern="1200" dirty="0" err="1">
                 <a:solidFill>
                   <a:schemeClr val="tx1"/>
                 </a:solidFill>
@@ -1465,7 +1464,7 @@
               <a:t>.skip</a:t>
             </a:r>
             <a:r>
-              <a:rPr lang="en-US" sz="1200" b="0" i="0" kern="1200" dirty="0" smtClean="0">
+              <a:rPr lang="en-US" sz="1200" b="0" i="0" kern="1200" dirty="0">
                 <a:solidFill>
                   <a:schemeClr val="tx1"/>
                 </a:solidFill>
@@ -1477,7 +1476,7 @@
               <a:t>("showing class skipping") </a:t>
             </a:r>
             <a:r>
-              <a:rPr lang="en-US" sz="1200" b="1" i="0" kern="1200" dirty="0" smtClean="0">
+              <a:rPr lang="en-US" sz="1200" b="1" i="0" kern="1200" dirty="0">
                 <a:solidFill>
                   <a:schemeClr val="tx1"/>
                 </a:solidFill>
@@ -1489,7 +1488,7 @@
               <a:t>class</a:t>
             </a:r>
             <a:r>
-              <a:rPr lang="en-US" sz="1200" b="0" i="0" kern="1200" dirty="0" smtClean="0">
+              <a:rPr lang="en-US" sz="1200" b="0" i="0" kern="1200" dirty="0">
                 <a:solidFill>
                   <a:schemeClr val="tx1"/>
                 </a:solidFill>
@@ -1501,7 +1500,7 @@
               <a:t> </a:t>
             </a:r>
             <a:r>
-              <a:rPr lang="en-US" sz="1200" b="1" i="0" kern="1200" dirty="0" err="1" smtClean="0">
+              <a:rPr lang="en-US" sz="1200" b="1" i="0" kern="1200" dirty="0" err="1">
                 <a:solidFill>
                   <a:schemeClr val="tx1"/>
                 </a:solidFill>
@@ -1513,7 +1512,7 @@
               <a:t>MySkippedTestCase</a:t>
             </a:r>
             <a:r>
-              <a:rPr lang="en-US" sz="1200" b="0" i="0" kern="1200" dirty="0" smtClean="0">
+              <a:rPr lang="en-US" sz="1200" b="0" i="0" kern="1200" dirty="0">
                 <a:solidFill>
                   <a:schemeClr val="tx1"/>
                 </a:solidFill>
@@ -1525,7 +1524,7 @@
               <a:t>(</a:t>
             </a:r>
             <a:r>
-              <a:rPr lang="en-US" sz="1200" b="0" i="0" kern="1200" dirty="0" err="1" smtClean="0">
+              <a:rPr lang="en-US" sz="1200" b="0" i="0" kern="1200" dirty="0" err="1">
                 <a:solidFill>
                   <a:schemeClr val="tx1"/>
                 </a:solidFill>
@@ -1537,7 +1536,7 @@
               <a:t>unittest.TestCase</a:t>
             </a:r>
             <a:r>
-              <a:rPr lang="en-US" sz="1200" b="0" i="0" kern="1200" dirty="0" smtClean="0">
+              <a:rPr lang="en-US" sz="1200" b="0" i="0" kern="1200" dirty="0">
                 <a:solidFill>
                   <a:schemeClr val="tx1"/>
                 </a:solidFill>
@@ -1549,7 +1548,7 @@
               <a:t>): </a:t>
             </a:r>
             <a:r>
-              <a:rPr lang="en-US" sz="1200" b="1" i="0" kern="1200" dirty="0" smtClean="0">
+              <a:rPr lang="en-US" sz="1200" b="1" i="0" kern="1200" dirty="0">
                 <a:solidFill>
                   <a:schemeClr val="tx1"/>
                 </a:solidFill>
@@ -1561,7 +1560,7 @@
               <a:t>def</a:t>
             </a:r>
             <a:r>
-              <a:rPr lang="en-US" sz="1200" b="0" i="0" kern="1200" dirty="0" smtClean="0">
+              <a:rPr lang="en-US" sz="1200" b="0" i="0" kern="1200" dirty="0">
                 <a:solidFill>
                   <a:schemeClr val="tx1"/>
                 </a:solidFill>
@@ -1573,7 +1572,7 @@
               <a:t> </a:t>
             </a:r>
             <a:r>
-              <a:rPr lang="en-US" sz="1200" b="0" i="0" kern="1200" dirty="0" err="1" smtClean="0">
+              <a:rPr lang="en-US" sz="1200" b="0" i="0" kern="1200" dirty="0" err="1">
                 <a:solidFill>
                   <a:schemeClr val="tx1"/>
                 </a:solidFill>
@@ -1585,7 +1584,7 @@
               <a:t>test_not_run</a:t>
             </a:r>
             <a:r>
-              <a:rPr lang="en-US" sz="1200" b="0" i="0" kern="1200" dirty="0" smtClean="0">
+              <a:rPr lang="en-US" sz="1200" b="0" i="0" kern="1200" dirty="0">
                 <a:solidFill>
                   <a:schemeClr val="tx1"/>
                 </a:solidFill>
@@ -1597,7 +1596,7 @@
               <a:t>(self): </a:t>
             </a:r>
             <a:r>
-              <a:rPr lang="en-US" sz="1200" b="1" i="0" kern="1200" dirty="0" smtClean="0">
+              <a:rPr lang="en-US" sz="1200" b="1" i="0" kern="1200" dirty="0">
                 <a:solidFill>
                   <a:schemeClr val="tx1"/>
                 </a:solidFill>
@@ -1701,7 +1700,7 @@
           <a:lstStyle/>
           <a:p>
             <a:r>
-              <a:rPr lang="en-US" sz="1200" b="0" i="0" kern="1200" dirty="0" smtClean="0">
+              <a:rPr lang="en-US" sz="1200" b="0" i="0" kern="1200" dirty="0">
                 <a:solidFill>
                   <a:schemeClr val="tx1"/>
                 </a:solidFill>
@@ -1713,7 +1712,7 @@
               <a:t>Skipped tests will not have </a:t>
             </a:r>
             <a:r>
-              <a:rPr lang="en-US" sz="1200" b="0" i="0" u="none" strike="noStrike" kern="1200" dirty="0" err="1" smtClean="0">
+              <a:rPr lang="en-US" sz="1200" b="0" i="0" u="none" strike="noStrike" kern="1200" dirty="0" err="1">
                 <a:solidFill>
                   <a:schemeClr val="tx1"/>
                 </a:solidFill>
@@ -1726,7 +1725,7 @@
               <a:t>setUp</a:t>
             </a:r>
             <a:r>
-              <a:rPr lang="en-US" sz="1200" b="0" i="0" u="none" strike="noStrike" kern="1200" dirty="0" smtClean="0">
+              <a:rPr lang="en-US" sz="1200" b="0" i="0" u="none" strike="noStrike" kern="1200" dirty="0">
                 <a:solidFill>
                   <a:schemeClr val="tx1"/>
                 </a:solidFill>
@@ -1739,7 +1738,7 @@
               <a:t>()</a:t>
             </a:r>
             <a:r>
-              <a:rPr lang="en-US" sz="1200" b="0" i="0" kern="1200" dirty="0" smtClean="0">
+              <a:rPr lang="en-US" sz="1200" b="0" i="0" kern="1200" dirty="0">
                 <a:solidFill>
                   <a:schemeClr val="tx1"/>
                 </a:solidFill>
@@ -1751,7 +1750,7 @@
               <a:t> or </a:t>
             </a:r>
             <a:r>
-              <a:rPr lang="en-US" sz="1200" b="0" i="0" u="none" strike="noStrike" kern="1200" dirty="0" err="1" smtClean="0">
+              <a:rPr lang="en-US" sz="1200" b="0" i="0" u="none" strike="noStrike" kern="1200" dirty="0" err="1">
                 <a:solidFill>
                   <a:schemeClr val="tx1"/>
                 </a:solidFill>
@@ -1764,7 +1763,7 @@
               <a:t>tearDown</a:t>
             </a:r>
             <a:r>
-              <a:rPr lang="en-US" sz="1200" b="0" i="0" u="none" strike="noStrike" kern="1200" dirty="0" smtClean="0">
+              <a:rPr lang="en-US" sz="1200" b="0" i="0" u="none" strike="noStrike" kern="1200" dirty="0">
                 <a:solidFill>
                   <a:schemeClr val="tx1"/>
                 </a:solidFill>
@@ -1777,7 +1776,7 @@
               <a:t>()</a:t>
             </a:r>
             <a:r>
-              <a:rPr lang="en-US" sz="1200" b="0" i="0" kern="1200" dirty="0" smtClean="0">
+              <a:rPr lang="en-US" sz="1200" b="0" i="0" kern="1200" dirty="0">
                 <a:solidFill>
                   <a:schemeClr val="tx1"/>
                 </a:solidFill>
@@ -1789,7 +1788,7 @@
               <a:t> run around them. Skipped classes will not have </a:t>
             </a:r>
             <a:r>
-              <a:rPr lang="en-US" sz="1200" b="0" i="0" u="none" strike="noStrike" kern="1200" dirty="0" err="1" smtClean="0">
+              <a:rPr lang="en-US" sz="1200" b="0" i="0" u="none" strike="noStrike" kern="1200" dirty="0" err="1">
                 <a:solidFill>
                   <a:schemeClr val="tx1"/>
                 </a:solidFill>
@@ -1802,7 +1801,7 @@
               <a:t>setUpClass</a:t>
             </a:r>
             <a:r>
-              <a:rPr lang="en-US" sz="1200" b="0" i="0" u="none" strike="noStrike" kern="1200" dirty="0" smtClean="0">
+              <a:rPr lang="en-US" sz="1200" b="0" i="0" u="none" strike="noStrike" kern="1200" dirty="0">
                 <a:solidFill>
                   <a:schemeClr val="tx1"/>
                 </a:solidFill>
@@ -1815,7 +1814,7 @@
               <a:t>()</a:t>
             </a:r>
             <a:r>
-              <a:rPr lang="en-US" sz="1200" b="0" i="0" kern="1200" dirty="0" smtClean="0">
+              <a:rPr lang="en-US" sz="1200" b="0" i="0" kern="1200" dirty="0">
                 <a:solidFill>
                   <a:schemeClr val="tx1"/>
                 </a:solidFill>
@@ -1827,7 +1826,7 @@
               <a:t> or </a:t>
             </a:r>
             <a:r>
-              <a:rPr lang="en-US" sz="1200" b="0" i="0" u="none" strike="noStrike" kern="1200" dirty="0" err="1" smtClean="0">
+              <a:rPr lang="en-US" sz="1200" b="0" i="0" u="none" strike="noStrike" kern="1200" dirty="0" err="1">
                 <a:solidFill>
                   <a:schemeClr val="tx1"/>
                 </a:solidFill>
@@ -1840,7 +1839,7 @@
               <a:t>tearDownClass</a:t>
             </a:r>
             <a:r>
-              <a:rPr lang="en-US" sz="1200" b="0" i="0" u="none" strike="noStrike" kern="1200" dirty="0" smtClean="0">
+              <a:rPr lang="en-US" sz="1200" b="0" i="0" u="none" strike="noStrike" kern="1200" dirty="0">
                 <a:solidFill>
                   <a:schemeClr val="tx1"/>
                 </a:solidFill>
@@ -1853,7 +1852,7 @@
               <a:t>()</a:t>
             </a:r>
             <a:r>
-              <a:rPr lang="en-US" sz="1200" b="0" i="0" kern="1200" dirty="0" smtClean="0">
+              <a:rPr lang="en-US" sz="1200" b="0" i="0" kern="1200" dirty="0">
                 <a:solidFill>
                   <a:schemeClr val="tx1"/>
                 </a:solidFill>
@@ -1865,19 +1864,19 @@
               <a:t> run. Skipped modules will not have </a:t>
             </a:r>
             <a:r>
-              <a:rPr lang="en-US" dirty="0" err="1" smtClean="0">
+              <a:rPr lang="en-US" dirty="0" err="1">
                 <a:effectLst/>
               </a:rPr>
               <a:t>setUpModule</a:t>
             </a:r>
             <a:r>
-              <a:rPr lang="en-US" dirty="0" smtClean="0">
+              <a:rPr lang="en-US" dirty="0">
                 <a:effectLst/>
               </a:rPr>
               <a:t>()</a:t>
             </a:r>
             <a:r>
-              <a:rPr lang="en-US" sz="1200" b="0" i="0" kern="1200" dirty="0" smtClean="0">
+              <a:rPr lang="en-US" sz="1200" b="0" i="0" kern="1200" dirty="0">
                 <a:solidFill>
                   <a:schemeClr val="tx1"/>
                 </a:solidFill>
@@ -1889,19 +1888,19 @@
               <a:t> or </a:t>
             </a:r>
             <a:r>
-              <a:rPr lang="en-US" dirty="0" err="1" smtClean="0">
+              <a:rPr lang="en-US" dirty="0" err="1">
                 <a:effectLst/>
               </a:rPr>
               <a:t>tearDownModule</a:t>
             </a:r>
             <a:r>
-              <a:rPr lang="en-US" dirty="0" smtClean="0">
+              <a:rPr lang="en-US" dirty="0">
                 <a:effectLst/>
               </a:rPr>
               <a:t>()</a:t>
             </a:r>
             <a:r>
-              <a:rPr lang="en-US" sz="1200" b="0" i="0" kern="1200" dirty="0" smtClean="0">
+              <a:rPr lang="en-US" sz="1200" b="0" i="0" kern="1200" dirty="0">
                 <a:solidFill>
                   <a:schemeClr val="tx1"/>
                 </a:solidFill>
@@ -1912,15 +1911,6 @@
               </a:rPr>
               <a:t> run.</a:t>
             </a:r>
-            <a:endParaRPr lang="en-US" sz="1200" b="0" i="0" kern="1200" dirty="0">
-              <a:solidFill>
-                <a:schemeClr val="tx1"/>
-              </a:solidFill>
-              <a:effectLst/>
-              <a:latin typeface="+mn-lt"/>
-              <a:ea typeface="+mn-ea"/>
-              <a:cs typeface="+mn-cs"/>
-            </a:endParaRPr>
           </a:p>
         </p:txBody>
       </p:sp>
@@ -2257,7 +2247,7 @@
           <a:lstStyle/>
           <a:p>
             <a:r>
-              <a:rPr lang="en-US" sz="1200" b="0" i="1" kern="1200" dirty="0" smtClean="0">
+              <a:rPr lang="en-US" sz="1200" b="0" i="1" kern="1200" dirty="0">
                 <a:solidFill>
                   <a:schemeClr val="tx1"/>
                 </a:solidFill>
@@ -2269,7 +2259,7 @@
               <a:t>New in version 3.2: </a:t>
             </a:r>
             <a:r>
-              <a:rPr lang="en-US" sz="1200" b="0" i="0" kern="1200" dirty="0" smtClean="0">
+              <a:rPr lang="en-US" sz="1200" b="0" i="0" kern="1200" dirty="0">
                 <a:solidFill>
                   <a:schemeClr val="tx1"/>
                 </a:solidFill>
@@ -2278,10 +2268,12 @@
                 <a:ea typeface="+mn-ea"/>
                 <a:cs typeface="+mn-cs"/>
               </a:rPr>
-              <a:t>The command-line options -b, -c and -</a:t>
-            </a:r>
-            <a:r>
-              <a:rPr lang="en-US" sz="1200" b="0" i="0" kern="1200" dirty="0" err="1" smtClean="0">
+              <a:t>The command-line options -b, -c and -f were added.</a:t>
+            </a:r>
+          </a:p>
+          <a:p>
+            <a:r>
+              <a:rPr lang="en-US" sz="1200" b="0" i="1" kern="1200" dirty="0">
                 <a:solidFill>
                   <a:schemeClr val="tx1"/>
                 </a:solidFill>
@@ -2290,10 +2282,10 @@
                 <a:ea typeface="+mn-ea"/>
                 <a:cs typeface="+mn-cs"/>
               </a:rPr>
-              <a:t>fwere</a:t>
-            </a:r>
-            <a:r>
-              <a:rPr lang="en-US" sz="1200" b="0" i="0" kern="1200" dirty="0" smtClean="0">
+              <a:t>New in version 3.5: </a:t>
+            </a:r>
+            <a:r>
+              <a:rPr lang="en-US" sz="1200" b="0" i="0" kern="1200" dirty="0">
                 <a:solidFill>
                   <a:schemeClr val="tx1"/>
                 </a:solidFill>
@@ -2302,38 +2294,12 @@
                 <a:ea typeface="+mn-ea"/>
                 <a:cs typeface="+mn-cs"/>
               </a:rPr>
-              <a:t> added.</a:t>
-            </a:r>
-          </a:p>
-          <a:p>
-            <a:r>
-              <a:rPr lang="en-US" sz="1200" b="0" i="1" kern="1200" dirty="0" smtClean="0">
-                <a:solidFill>
-                  <a:schemeClr val="tx1"/>
-                </a:solidFill>
-                <a:effectLst/>
-                <a:latin typeface="+mn-lt"/>
-                <a:ea typeface="+mn-ea"/>
-                <a:cs typeface="+mn-cs"/>
-              </a:rPr>
-              <a:t>New in version 3.5: </a:t>
-            </a:r>
-            <a:r>
-              <a:rPr lang="en-US" sz="1200" b="0" i="0" kern="1200" dirty="0" smtClean="0">
-                <a:solidFill>
-                  <a:schemeClr val="tx1"/>
-                </a:solidFill>
-                <a:effectLst/>
-                <a:latin typeface="+mn-lt"/>
-                <a:ea typeface="+mn-ea"/>
-                <a:cs typeface="+mn-cs"/>
-              </a:rPr>
               <a:t>The command-line option --locals.</a:t>
             </a:r>
           </a:p>
           <a:p>
             <a:r>
-              <a:rPr lang="en-US" sz="1200" b="0" i="0" kern="1200" dirty="0" smtClean="0">
+              <a:rPr lang="en-US" sz="1200" b="0" i="0" kern="1200" dirty="0">
                 <a:solidFill>
                   <a:schemeClr val="tx1"/>
                 </a:solidFill>
@@ -2431,7 +2397,7 @@
           <a:lstStyle/>
           <a:p>
             <a:r>
-              <a:rPr lang="en-US" sz="1200" b="0" i="0" kern="1200" dirty="0" smtClean="0">
+              <a:rPr lang="en-US" sz="1200" b="0" i="0" kern="1200" dirty="0">
                 <a:solidFill>
                   <a:schemeClr val="tx1"/>
                 </a:solidFill>
@@ -2443,7 +2409,7 @@
               <a:t>Test discovery is implemented in </a:t>
             </a:r>
             <a:r>
-              <a:rPr lang="en-US" sz="1200" b="0" i="0" u="none" strike="noStrike" kern="1200" dirty="0" err="1" smtClean="0">
+              <a:rPr lang="en-US" sz="1200" b="0" i="0" u="none" strike="noStrike" kern="1200" dirty="0" err="1">
                 <a:solidFill>
                   <a:schemeClr val="tx1"/>
                 </a:solidFill>
@@ -2456,7 +2422,7 @@
               <a:t>TestLoader.discover</a:t>
             </a:r>
             <a:r>
-              <a:rPr lang="en-US" sz="1200" b="0" i="0" u="none" strike="noStrike" kern="1200" dirty="0" smtClean="0">
+              <a:rPr lang="en-US" sz="1200" b="0" i="0" u="none" strike="noStrike" kern="1200" dirty="0">
                 <a:solidFill>
                   <a:schemeClr val="tx1"/>
                 </a:solidFill>
@@ -2469,7 +2435,7 @@
               <a:t>()</a:t>
             </a:r>
             <a:r>
-              <a:rPr lang="en-US" sz="1200" b="0" i="0" kern="1200" dirty="0" smtClean="0">
+              <a:rPr lang="en-US" sz="1200" b="0" i="0" kern="1200" dirty="0">
                 <a:solidFill>
                   <a:schemeClr val="tx1"/>
                 </a:solidFill>
@@ -2483,7 +2449,7 @@
           </a:p>
           <a:p>
             <a:r>
-              <a:rPr lang="en-US" sz="1200" b="0" i="0" kern="1200" dirty="0" smtClean="0">
+              <a:rPr lang="en-US" sz="1200" b="0" i="0" kern="1200" dirty="0">
                 <a:solidFill>
                   <a:schemeClr val="tx1"/>
                 </a:solidFill>
@@ -2495,7 +2461,7 @@
               <a:t>cd </a:t>
             </a:r>
             <a:r>
-              <a:rPr lang="en-US" sz="1200" b="0" i="0" kern="1200" dirty="0" err="1" smtClean="0">
+              <a:rPr lang="en-US" sz="1200" b="0" i="0" kern="1200" dirty="0" err="1">
                 <a:solidFill>
                   <a:schemeClr val="tx1"/>
                 </a:solidFill>
@@ -2507,7 +2473,7 @@
               <a:t>project_directory</a:t>
             </a:r>
             <a:r>
-              <a:rPr lang="en-US" sz="1200" b="0" i="0" kern="1200" dirty="0" smtClean="0">
+              <a:rPr lang="en-US" sz="1200" b="0" i="0" kern="1200" dirty="0">
                 <a:solidFill>
                   <a:schemeClr val="tx1"/>
                 </a:solidFill>
@@ -2521,7 +2487,7 @@
           </a:p>
           <a:p>
             <a:r>
-              <a:rPr lang="en-US" sz="1200" b="1" i="0" kern="1200" dirty="0" smtClean="0">
+              <a:rPr lang="en-US" sz="1200" b="1" i="0" kern="1200" dirty="0">
                 <a:solidFill>
                   <a:schemeClr val="tx1"/>
                 </a:solidFill>
@@ -2535,7 +2501,7 @@
           </a:p>
           <a:p>
             <a:r>
-              <a:rPr lang="en-US" sz="1200" b="0" i="0" kern="1200" dirty="0" smtClean="0">
+              <a:rPr lang="en-US" sz="1200" b="0" i="0" kern="1200" dirty="0">
                 <a:solidFill>
                   <a:schemeClr val="tx1"/>
                 </a:solidFill>
@@ -2549,7 +2515,7 @@
           </a:p>
           <a:p>
             <a:r>
-              <a:rPr lang="en-US" sz="1200" b="0" i="0" kern="1200" dirty="0" smtClean="0">
+              <a:rPr lang="en-US" sz="1200" b="0" i="0" kern="1200" dirty="0">
                 <a:solidFill>
                   <a:schemeClr val="tx1"/>
                 </a:solidFill>
@@ -2561,7 +2527,7 @@
               <a:t>The </a:t>
             </a:r>
             <a:r>
-              <a:rPr lang="en-US" sz="1200" b="0" i="0" u="none" strike="noStrike" kern="1200" dirty="0" smtClean="0">
+              <a:rPr lang="en-US" sz="1200" b="0" i="0" u="none" strike="noStrike" kern="1200" dirty="0">
                 <a:solidFill>
                   <a:schemeClr val="tx1"/>
                 </a:solidFill>
@@ -2574,7 +2540,7 @@
               <a:t>-s</a:t>
             </a:r>
             <a:r>
-              <a:rPr lang="en-US" sz="1200" b="0" i="0" kern="1200" dirty="0" smtClean="0">
+              <a:rPr lang="en-US" sz="1200" b="0" i="0" kern="1200" dirty="0">
                 <a:solidFill>
                   <a:schemeClr val="tx1"/>
                 </a:solidFill>
@@ -2586,7 +2552,7 @@
               <a:t>, </a:t>
             </a:r>
             <a:r>
-              <a:rPr lang="en-US" sz="1200" b="0" i="0" u="none" strike="noStrike" kern="1200" dirty="0" smtClean="0">
+              <a:rPr lang="en-US" sz="1200" b="0" i="0" u="none" strike="noStrike" kern="1200" dirty="0">
                 <a:solidFill>
                   <a:schemeClr val="tx1"/>
                 </a:solidFill>
@@ -2599,7 +2565,7 @@
               <a:t>-p</a:t>
             </a:r>
             <a:r>
-              <a:rPr lang="en-US" sz="1200" b="0" i="0" kern="1200" dirty="0" smtClean="0">
+              <a:rPr lang="en-US" sz="1200" b="0" i="0" kern="1200" dirty="0">
                 <a:solidFill>
                   <a:schemeClr val="tx1"/>
                 </a:solidFill>
@@ -2611,7 +2577,7 @@
               <a:t>, and </a:t>
             </a:r>
             <a:r>
-              <a:rPr lang="en-US" sz="1200" b="0" i="0" u="none" strike="noStrike" kern="1200" dirty="0" smtClean="0">
+              <a:rPr lang="en-US" sz="1200" b="0" i="0" u="none" strike="noStrike" kern="1200" dirty="0">
                 <a:solidFill>
                   <a:schemeClr val="tx1"/>
                 </a:solidFill>
@@ -2624,7 +2590,7 @@
               <a:t>-t</a:t>
             </a:r>
             <a:r>
-              <a:rPr lang="en-US" sz="1200" b="0" i="0" kern="1200" dirty="0" smtClean="0">
+              <a:rPr lang="en-US" sz="1200" b="0" i="0" kern="1200" dirty="0">
                 <a:solidFill>
                   <a:schemeClr val="tx1"/>
                 </a:solidFill>
@@ -2638,7 +2604,7 @@
           </a:p>
           <a:p>
             <a:r>
-              <a:rPr lang="en-US" sz="1400" b="0" i="1" kern="1200" dirty="0" smtClean="0">
+              <a:rPr lang="en-US" sz="1400" b="0" i="1" kern="1200" dirty="0">
                 <a:solidFill>
                   <a:schemeClr val="accent2"/>
                 </a:solidFill>
@@ -2650,7 +2616,7 @@
               <a:t>python -m unittest discover -s </a:t>
             </a:r>
             <a:r>
-              <a:rPr lang="en-US" sz="1400" b="0" i="1" kern="1200" dirty="0" err="1" smtClean="0">
+              <a:rPr lang="en-US" sz="1400" b="0" i="1" kern="1200" dirty="0" err="1">
                 <a:solidFill>
                   <a:schemeClr val="accent2"/>
                 </a:solidFill>
@@ -2662,7 +2628,7 @@
               <a:t>project_directory</a:t>
             </a:r>
             <a:r>
-              <a:rPr lang="en-US" sz="1400" b="0" i="1" kern="1200" dirty="0" smtClean="0">
+              <a:rPr lang="en-US" sz="1400" b="0" i="1" kern="1200" dirty="0">
                 <a:solidFill>
                   <a:schemeClr val="accent2"/>
                 </a:solidFill>
@@ -2674,7 +2640,7 @@
               <a:t> -p "*_test.py" python -m unittest discover </a:t>
             </a:r>
             <a:r>
-              <a:rPr lang="en-US" sz="1200" b="0" i="0" kern="1200" dirty="0" err="1" smtClean="0">
+              <a:rPr lang="en-US" sz="1200" b="0" i="0" kern="1200" dirty="0" err="1">
                 <a:solidFill>
                   <a:schemeClr val="tx1"/>
                 </a:solidFill>
@@ -2686,7 +2652,7 @@
               <a:t>project_directory</a:t>
             </a:r>
             <a:r>
-              <a:rPr lang="en-US" sz="1200" b="0" i="0" kern="1200" dirty="0" smtClean="0">
+              <a:rPr lang="en-US" sz="1200" b="0" i="0" kern="1200" dirty="0">
                 <a:solidFill>
                   <a:schemeClr val="tx1"/>
                 </a:solidFill>
@@ -2699,7 +2665,7 @@
             </a:r>
           </a:p>
           <a:p>
-            <a:endParaRPr lang="en-US" sz="1200" b="0" i="0" kern="1200" dirty="0" smtClean="0">
+            <a:endParaRPr lang="en-US" sz="1200" b="0" i="0" kern="1200" dirty="0">
               <a:solidFill>
                 <a:schemeClr val="tx1"/>
               </a:solidFill>
@@ -2963,15 +2929,15 @@
           <a:lstStyle/>
           <a:p>
             <a:r>
-              <a:rPr lang="en-US" smtClean="0"/>
+              <a:rPr lang="en-US"/>
               <a:t>More methods</a:t>
             </a:r>
             <a:r>
-              <a:rPr lang="en-US" baseline="0" smtClean="0"/>
+              <a:rPr lang="en-US" baseline="0"/>
               <a:t> here </a:t>
             </a:r>
             <a:r>
-              <a:rPr lang="en-US" smtClean="0"/>
+              <a:rPr lang="en-US"/>
               <a:t>https://docs.python.org/3.6/library/unittest.html?highlight=unittest#unittest-skipping</a:t>
             </a:r>
             <a:endParaRPr lang="en-US" dirty="0"/>
@@ -3017,21 +2983,6 @@
 <file path=ppt/slideLayouts/slideLayout1.xml><?xml version="1.0" encoding="utf-8"?>
 <p:sldLayout xmlns:a="http://schemas.openxmlformats.org/drawingml/2006/main" xmlns:r="http://schemas.openxmlformats.org/officeDocument/2006/relationships" xmlns:p="http://schemas.openxmlformats.org/presentationml/2006/main" type="title" preserve="1">
   <p:cSld name="Title Slide">
-    <p:bg>
-      <p:bgPr>
-        <a:blipFill dpi="0" rotWithShape="1">
-          <a:blip r:embed="rId2">
-            <a:alphaModFix amt="20000"/>
-            <a:lum/>
-          </a:blip>
-          <a:srcRect/>
-          <a:stretch>
-            <a:fillRect t="-13000" b="-13000"/>
-          </a:stretch>
-        </a:blipFill>
-        <a:effectLst/>
-      </p:bgPr>
-    </p:bg>
     <p:spTree>
       <p:nvGrpSpPr>
         <p:cNvPr id="1" name=""/>
@@ -3146,87 +3097,6 @@
           </a:p>
         </p:txBody>
       </p:sp>
-      <p:grpSp>
-        <p:nvGrpSpPr>
-          <p:cNvPr id="8" name="Group 7"/>
-          <p:cNvGrpSpPr/>
-          <p:nvPr userDrawn="1"/>
-        </p:nvGrpSpPr>
-        <p:grpSpPr>
-          <a:xfrm>
-            <a:off x="0" y="-171606"/>
-            <a:ext cx="12538455" cy="1506912"/>
-            <a:chOff x="0" y="-171606"/>
-            <a:chExt cx="12538455" cy="1506912"/>
-          </a:xfrm>
-        </p:grpSpPr>
-        <p:pic>
-          <p:nvPicPr>
-            <p:cNvPr id="9" name="Picture 8"/>
-            <p:cNvPicPr>
-              <a:picLocks noChangeAspect="1"/>
-            </p:cNvPicPr>
-            <p:nvPr userDrawn="1"/>
-          </p:nvPicPr>
-          <p:blipFill>
-            <a:blip r:embed="rId3" cstate="print">
-              <a:extLst>
-                <a:ext uri="{28A0092B-C50C-407E-A947-70E740481C1C}">
-                  <a14:useLocalDpi xmlns:a14="http://schemas.microsoft.com/office/drawing/2010/main" val="0"/>
-                </a:ext>
-              </a:extLst>
-            </a:blip>
-            <a:stretch>
-              <a:fillRect/>
-            </a:stretch>
-          </p:blipFill>
-          <p:spPr>
-            <a:xfrm>
-              <a:off x="10406850" y="-171606"/>
-              <a:ext cx="2131605" cy="1506912"/>
-            </a:xfrm>
-            <a:prstGeom prst="rect">
-              <a:avLst/>
-            </a:prstGeom>
-          </p:spPr>
-        </p:pic>
-        <p:cxnSp>
-          <p:nvCxnSpPr>
-            <p:cNvPr id="10" name="Straight Arrow Connector 9"/>
-            <p:cNvCxnSpPr/>
-            <p:nvPr userDrawn="1"/>
-          </p:nvCxnSpPr>
-          <p:spPr>
-            <a:xfrm>
-              <a:off x="0" y="818050"/>
-              <a:ext cx="10800000" cy="8893"/>
-            </a:xfrm>
-            <a:prstGeom prst="straightConnector1">
-              <a:avLst/>
-            </a:prstGeom>
-            <a:ln w="31750">
-              <a:solidFill>
-                <a:srgbClr val="9F2728"/>
-              </a:solidFill>
-              <a:tailEnd type="triangle"/>
-            </a:ln>
-          </p:spPr>
-          <p:style>
-            <a:lnRef idx="1">
-              <a:schemeClr val="accent1"/>
-            </a:lnRef>
-            <a:fillRef idx="0">
-              <a:schemeClr val="accent1"/>
-            </a:fillRef>
-            <a:effectRef idx="0">
-              <a:schemeClr val="accent1"/>
-            </a:effectRef>
-            <a:fontRef idx="minor">
-              <a:schemeClr val="tx1"/>
-            </a:fontRef>
-          </p:style>
-        </p:cxnSp>
-      </p:grpSp>
     </p:spTree>
     <p:extLst>
       <p:ext uri="{BB962C8B-B14F-4D97-AF65-F5344CB8AC3E}">
@@ -3243,21 +3113,6 @@
 <file path=ppt/slideLayouts/slideLayout2.xml><?xml version="1.0" encoding="utf-8"?>
 <p:sldLayout xmlns:a="http://schemas.openxmlformats.org/drawingml/2006/main" xmlns:r="http://schemas.openxmlformats.org/officeDocument/2006/relationships" xmlns:p="http://schemas.openxmlformats.org/presentationml/2006/main" type="obj" preserve="1">
   <p:cSld name="Title and Content">
-    <p:bg>
-      <p:bgPr>
-        <a:blipFill dpi="0" rotWithShape="1">
-          <a:blip r:embed="rId2">
-            <a:alphaModFix amt="20000"/>
-            <a:lum/>
-          </a:blip>
-          <a:srcRect/>
-          <a:stretch>
-            <a:fillRect t="-13000" b="-13000"/>
-          </a:stretch>
-        </a:blipFill>
-        <a:effectLst/>
-      </p:bgPr>
-    </p:bg>
     <p:spTree>
       <p:nvGrpSpPr>
         <p:cNvPr id="1" name=""/>
@@ -3363,87 +3218,6 @@
           </a:p>
         </p:txBody>
       </p:sp>
-      <p:grpSp>
-        <p:nvGrpSpPr>
-          <p:cNvPr id="4" name="Group 3"/>
-          <p:cNvGrpSpPr/>
-          <p:nvPr userDrawn="1"/>
-        </p:nvGrpSpPr>
-        <p:grpSpPr>
-          <a:xfrm>
-            <a:off x="0" y="-171606"/>
-            <a:ext cx="12538455" cy="1506912"/>
-            <a:chOff x="0" y="-171606"/>
-            <a:chExt cx="12538455" cy="1506912"/>
-          </a:xfrm>
-        </p:grpSpPr>
-        <p:pic>
-          <p:nvPicPr>
-            <p:cNvPr id="8" name="Picture 7"/>
-            <p:cNvPicPr>
-              <a:picLocks noChangeAspect="1"/>
-            </p:cNvPicPr>
-            <p:nvPr userDrawn="1"/>
-          </p:nvPicPr>
-          <p:blipFill>
-            <a:blip r:embed="rId3" cstate="print">
-              <a:extLst>
-                <a:ext uri="{28A0092B-C50C-407E-A947-70E740481C1C}">
-                  <a14:useLocalDpi xmlns:a14="http://schemas.microsoft.com/office/drawing/2010/main" val="0"/>
-                </a:ext>
-              </a:extLst>
-            </a:blip>
-            <a:stretch>
-              <a:fillRect/>
-            </a:stretch>
-          </p:blipFill>
-          <p:spPr>
-            <a:xfrm>
-              <a:off x="10406850" y="-171606"/>
-              <a:ext cx="2131605" cy="1506912"/>
-            </a:xfrm>
-            <a:prstGeom prst="rect">
-              <a:avLst/>
-            </a:prstGeom>
-          </p:spPr>
-        </p:pic>
-        <p:cxnSp>
-          <p:nvCxnSpPr>
-            <p:cNvPr id="9" name="Straight Arrow Connector 8"/>
-            <p:cNvCxnSpPr/>
-            <p:nvPr userDrawn="1"/>
-          </p:nvCxnSpPr>
-          <p:spPr>
-            <a:xfrm>
-              <a:off x="0" y="818050"/>
-              <a:ext cx="10800000" cy="8893"/>
-            </a:xfrm>
-            <a:prstGeom prst="straightConnector1">
-              <a:avLst/>
-            </a:prstGeom>
-            <a:ln w="31750">
-              <a:solidFill>
-                <a:srgbClr val="9F2728"/>
-              </a:solidFill>
-              <a:tailEnd type="triangle"/>
-            </a:ln>
-          </p:spPr>
-          <p:style>
-            <a:lnRef idx="1">
-              <a:schemeClr val="accent1"/>
-            </a:lnRef>
-            <a:fillRef idx="0">
-              <a:schemeClr val="accent1"/>
-            </a:fillRef>
-            <a:effectRef idx="0">
-              <a:schemeClr val="accent1"/>
-            </a:effectRef>
-            <a:fontRef idx="minor">
-              <a:schemeClr val="tx1"/>
-            </a:fontRef>
-          </p:style>
-        </p:cxnSp>
-      </p:grpSp>
     </p:spTree>
     <p:extLst>
       <p:ext uri="{BB962C8B-B14F-4D97-AF65-F5344CB8AC3E}">
@@ -3460,21 +3234,6 @@
 <file path=ppt/slideLayouts/slideLayout3.xml><?xml version="1.0" encoding="utf-8"?>
 <p:sldLayout xmlns:a="http://schemas.openxmlformats.org/drawingml/2006/main" xmlns:r="http://schemas.openxmlformats.org/officeDocument/2006/relationships" xmlns:p="http://schemas.openxmlformats.org/presentationml/2006/main" preserve="1" userDrawn="1">
   <p:cSld name="Two Content">
-    <p:bg>
-      <p:bgPr>
-        <a:blipFill dpi="0" rotWithShape="1">
-          <a:blip r:embed="rId2">
-            <a:alphaModFix amt="20000"/>
-            <a:lum/>
-          </a:blip>
-          <a:srcRect/>
-          <a:stretch>
-            <a:fillRect t="-13000" b="-13000"/>
-          </a:stretch>
-        </a:blipFill>
-        <a:effectLst/>
-      </p:bgPr>
-    </p:bg>
     <p:spTree>
       <p:nvGrpSpPr>
         <p:cNvPr id="1" name=""/>
@@ -3601,87 +3360,6 @@
           </a:p>
         </p:txBody>
       </p:sp>
-      <p:grpSp>
-        <p:nvGrpSpPr>
-          <p:cNvPr id="12" name="Group 11"/>
-          <p:cNvGrpSpPr/>
-          <p:nvPr userDrawn="1"/>
-        </p:nvGrpSpPr>
-        <p:grpSpPr>
-          <a:xfrm>
-            <a:off x="0" y="-171606"/>
-            <a:ext cx="12538455" cy="1506912"/>
-            <a:chOff x="0" y="-171606"/>
-            <a:chExt cx="12538455" cy="1506912"/>
-          </a:xfrm>
-        </p:grpSpPr>
-        <p:pic>
-          <p:nvPicPr>
-            <p:cNvPr id="13" name="Picture 12"/>
-            <p:cNvPicPr>
-              <a:picLocks noChangeAspect="1"/>
-            </p:cNvPicPr>
-            <p:nvPr userDrawn="1"/>
-          </p:nvPicPr>
-          <p:blipFill>
-            <a:blip r:embed="rId3" cstate="print">
-              <a:extLst>
-                <a:ext uri="{28A0092B-C50C-407E-A947-70E740481C1C}">
-                  <a14:useLocalDpi xmlns:a14="http://schemas.microsoft.com/office/drawing/2010/main" val="0"/>
-                </a:ext>
-              </a:extLst>
-            </a:blip>
-            <a:stretch>
-              <a:fillRect/>
-            </a:stretch>
-          </p:blipFill>
-          <p:spPr>
-            <a:xfrm>
-              <a:off x="10406850" y="-171606"/>
-              <a:ext cx="2131605" cy="1506912"/>
-            </a:xfrm>
-            <a:prstGeom prst="rect">
-              <a:avLst/>
-            </a:prstGeom>
-          </p:spPr>
-        </p:pic>
-        <p:cxnSp>
-          <p:nvCxnSpPr>
-            <p:cNvPr id="14" name="Straight Arrow Connector 13"/>
-            <p:cNvCxnSpPr/>
-            <p:nvPr userDrawn="1"/>
-          </p:nvCxnSpPr>
-          <p:spPr>
-            <a:xfrm>
-              <a:off x="0" y="818050"/>
-              <a:ext cx="10800000" cy="8893"/>
-            </a:xfrm>
-            <a:prstGeom prst="straightConnector1">
-              <a:avLst/>
-            </a:prstGeom>
-            <a:ln w="31750">
-              <a:solidFill>
-                <a:srgbClr val="9F2728"/>
-              </a:solidFill>
-              <a:tailEnd type="triangle"/>
-            </a:ln>
-          </p:spPr>
-          <p:style>
-            <a:lnRef idx="1">
-              <a:schemeClr val="accent1"/>
-            </a:lnRef>
-            <a:fillRef idx="0">
-              <a:schemeClr val="accent1"/>
-            </a:fillRef>
-            <a:effectRef idx="0">
-              <a:schemeClr val="accent1"/>
-            </a:effectRef>
-            <a:fontRef idx="minor">
-              <a:schemeClr val="tx1"/>
-            </a:fontRef>
-          </p:style>
-        </p:cxnSp>
-      </p:grpSp>
       <p:sp>
         <p:nvSpPr>
           <p:cNvPr id="15" name="Title 1"/>
@@ -3732,21 +3410,6 @@
 <file path=ppt/slideLayouts/slideLayout4.xml><?xml version="1.0" encoding="utf-8"?>
 <p:sldLayout xmlns:a="http://schemas.openxmlformats.org/drawingml/2006/main" xmlns:r="http://schemas.openxmlformats.org/officeDocument/2006/relationships" xmlns:p="http://schemas.openxmlformats.org/presentationml/2006/main" type="objTx" preserve="1">
   <p:cSld name="Content with Caption">
-    <p:bg>
-      <p:bgPr>
-        <a:blipFill dpi="0" rotWithShape="1">
-          <a:blip r:embed="rId2">
-            <a:alphaModFix amt="20000"/>
-            <a:lum/>
-          </a:blip>
-          <a:srcRect/>
-          <a:stretch>
-            <a:fillRect t="-13000" b="-13000"/>
-          </a:stretch>
-        </a:blipFill>
-        <a:effectLst/>
-      </p:bgPr>
-    </p:bg>
     <p:spTree>
       <p:nvGrpSpPr>
         <p:cNvPr id="1" name=""/>
@@ -3941,87 +3604,6 @@
           </a:p>
         </p:txBody>
       </p:sp>
-      <p:grpSp>
-        <p:nvGrpSpPr>
-          <p:cNvPr id="12" name="Group 11"/>
-          <p:cNvGrpSpPr/>
-          <p:nvPr userDrawn="1"/>
-        </p:nvGrpSpPr>
-        <p:grpSpPr>
-          <a:xfrm>
-            <a:off x="0" y="-171606"/>
-            <a:ext cx="12538455" cy="1506912"/>
-            <a:chOff x="0" y="-171606"/>
-            <a:chExt cx="12538455" cy="1506912"/>
-          </a:xfrm>
-        </p:grpSpPr>
-        <p:pic>
-          <p:nvPicPr>
-            <p:cNvPr id="13" name="Picture 12"/>
-            <p:cNvPicPr>
-              <a:picLocks noChangeAspect="1"/>
-            </p:cNvPicPr>
-            <p:nvPr userDrawn="1"/>
-          </p:nvPicPr>
-          <p:blipFill>
-            <a:blip r:embed="rId3" cstate="print">
-              <a:extLst>
-                <a:ext uri="{28A0092B-C50C-407E-A947-70E740481C1C}">
-                  <a14:useLocalDpi xmlns:a14="http://schemas.microsoft.com/office/drawing/2010/main" val="0"/>
-                </a:ext>
-              </a:extLst>
-            </a:blip>
-            <a:stretch>
-              <a:fillRect/>
-            </a:stretch>
-          </p:blipFill>
-          <p:spPr>
-            <a:xfrm>
-              <a:off x="10406850" y="-171606"/>
-              <a:ext cx="2131605" cy="1506912"/>
-            </a:xfrm>
-            <a:prstGeom prst="rect">
-              <a:avLst/>
-            </a:prstGeom>
-          </p:spPr>
-        </p:pic>
-        <p:cxnSp>
-          <p:nvCxnSpPr>
-            <p:cNvPr id="14" name="Straight Arrow Connector 13"/>
-            <p:cNvCxnSpPr/>
-            <p:nvPr userDrawn="1"/>
-          </p:nvCxnSpPr>
-          <p:spPr>
-            <a:xfrm>
-              <a:off x="0" y="818050"/>
-              <a:ext cx="10800000" cy="8893"/>
-            </a:xfrm>
-            <a:prstGeom prst="straightConnector1">
-              <a:avLst/>
-            </a:prstGeom>
-            <a:ln w="31750">
-              <a:solidFill>
-                <a:srgbClr val="9F2728"/>
-              </a:solidFill>
-              <a:tailEnd type="triangle"/>
-            </a:ln>
-          </p:spPr>
-          <p:style>
-            <a:lnRef idx="1">
-              <a:schemeClr val="accent1"/>
-            </a:lnRef>
-            <a:fillRef idx="0">
-              <a:schemeClr val="accent1"/>
-            </a:fillRef>
-            <a:effectRef idx="0">
-              <a:schemeClr val="accent1"/>
-            </a:effectRef>
-            <a:fontRef idx="minor">
-              <a:schemeClr val="tx1"/>
-            </a:fontRef>
-          </p:style>
-        </p:cxnSp>
-      </p:grpSp>
       <p:sp>
         <p:nvSpPr>
           <p:cNvPr id="15" name="Title 1"/>
@@ -4087,21 +3669,6 @@
 <file path=ppt/slideLayouts/slideLayout5.xml><?xml version="1.0" encoding="utf-8"?>
 <p:sldLayout xmlns:a="http://schemas.openxmlformats.org/drawingml/2006/main" xmlns:r="http://schemas.openxmlformats.org/officeDocument/2006/relationships" xmlns:p="http://schemas.openxmlformats.org/presentationml/2006/main" type="picTx" preserve="1">
   <p:cSld name="Picture with Caption">
-    <p:bg>
-      <p:bgPr>
-        <a:blipFill dpi="0" rotWithShape="1">
-          <a:blip r:embed="rId2">
-            <a:alphaModFix amt="20000"/>
-            <a:lum/>
-          </a:blip>
-          <a:srcRect/>
-          <a:stretch>
-            <a:fillRect t="-13000" b="-13000"/>
-          </a:stretch>
-        </a:blipFill>
-        <a:effectLst/>
-      </p:bgPr>
-    </p:bg>
     <p:spTree>
       <p:nvGrpSpPr>
         <p:cNvPr id="1" name=""/>
@@ -4324,87 +3891,6 @@
           </a:p>
         </p:txBody>
       </p:sp>
-      <p:grpSp>
-        <p:nvGrpSpPr>
-          <p:cNvPr id="13" name="Group 12"/>
-          <p:cNvGrpSpPr/>
-          <p:nvPr userDrawn="1"/>
-        </p:nvGrpSpPr>
-        <p:grpSpPr>
-          <a:xfrm>
-            <a:off x="0" y="-171606"/>
-            <a:ext cx="12538455" cy="1506912"/>
-            <a:chOff x="0" y="-171606"/>
-            <a:chExt cx="12538455" cy="1506912"/>
-          </a:xfrm>
-        </p:grpSpPr>
-        <p:pic>
-          <p:nvPicPr>
-            <p:cNvPr id="14" name="Picture 13"/>
-            <p:cNvPicPr>
-              <a:picLocks noChangeAspect="1"/>
-            </p:cNvPicPr>
-            <p:nvPr userDrawn="1"/>
-          </p:nvPicPr>
-          <p:blipFill>
-            <a:blip r:embed="rId3" cstate="print">
-              <a:extLst>
-                <a:ext uri="{28A0092B-C50C-407E-A947-70E740481C1C}">
-                  <a14:useLocalDpi xmlns:a14="http://schemas.microsoft.com/office/drawing/2010/main" val="0"/>
-                </a:ext>
-              </a:extLst>
-            </a:blip>
-            <a:stretch>
-              <a:fillRect/>
-            </a:stretch>
-          </p:blipFill>
-          <p:spPr>
-            <a:xfrm>
-              <a:off x="10406850" y="-171606"/>
-              <a:ext cx="2131605" cy="1506912"/>
-            </a:xfrm>
-            <a:prstGeom prst="rect">
-              <a:avLst/>
-            </a:prstGeom>
-          </p:spPr>
-        </p:pic>
-        <p:cxnSp>
-          <p:nvCxnSpPr>
-            <p:cNvPr id="15" name="Straight Arrow Connector 14"/>
-            <p:cNvCxnSpPr/>
-            <p:nvPr userDrawn="1"/>
-          </p:nvCxnSpPr>
-          <p:spPr>
-            <a:xfrm>
-              <a:off x="0" y="818050"/>
-              <a:ext cx="10800000" cy="8893"/>
-            </a:xfrm>
-            <a:prstGeom prst="straightConnector1">
-              <a:avLst/>
-            </a:prstGeom>
-            <a:ln w="31750">
-              <a:solidFill>
-                <a:srgbClr val="9F2728"/>
-              </a:solidFill>
-              <a:tailEnd type="triangle"/>
-            </a:ln>
-          </p:spPr>
-          <p:style>
-            <a:lnRef idx="1">
-              <a:schemeClr val="accent1"/>
-            </a:lnRef>
-            <a:fillRef idx="0">
-              <a:schemeClr val="accent1"/>
-            </a:fillRef>
-            <a:effectRef idx="0">
-              <a:schemeClr val="accent1"/>
-            </a:effectRef>
-            <a:fontRef idx="minor">
-              <a:schemeClr val="tx1"/>
-            </a:fontRef>
-          </p:style>
-        </p:cxnSp>
-      </p:grpSp>
     </p:spTree>
     <p:extLst>
       <p:ext uri="{BB962C8B-B14F-4D97-AF65-F5344CB8AC3E}">
@@ -4421,21 +3907,6 @@
 <file path=ppt/slideLayouts/slideLayout6.xml><?xml version="1.0" encoding="utf-8"?>
 <p:sldLayout xmlns:a="http://schemas.openxmlformats.org/drawingml/2006/main" xmlns:r="http://schemas.openxmlformats.org/officeDocument/2006/relationships" xmlns:p="http://schemas.openxmlformats.org/presentationml/2006/main" preserve="1" userDrawn="1">
   <p:cSld name="Title and Vertical Text">
-    <p:bg>
-      <p:bgPr>
-        <a:blipFill dpi="0" rotWithShape="1">
-          <a:blip r:embed="rId2">
-            <a:alphaModFix amt="20000"/>
-            <a:lum/>
-          </a:blip>
-          <a:srcRect/>
-          <a:stretch>
-            <a:fillRect t="-13000" b="-13000"/>
-          </a:stretch>
-        </a:blipFill>
-        <a:effectLst/>
-      </p:bgPr>
-    </p:bg>
     <p:spTree>
       <p:nvGrpSpPr>
         <p:cNvPr id="1" name=""/>
@@ -4501,87 +3972,6 @@
           </a:p>
         </p:txBody>
       </p:sp>
-      <p:grpSp>
-        <p:nvGrpSpPr>
-          <p:cNvPr id="11" name="Group 10"/>
-          <p:cNvGrpSpPr/>
-          <p:nvPr userDrawn="1"/>
-        </p:nvGrpSpPr>
-        <p:grpSpPr>
-          <a:xfrm>
-            <a:off x="0" y="-171606"/>
-            <a:ext cx="12538455" cy="1506912"/>
-            <a:chOff x="0" y="-171606"/>
-            <a:chExt cx="12538455" cy="1506912"/>
-          </a:xfrm>
-        </p:grpSpPr>
-        <p:pic>
-          <p:nvPicPr>
-            <p:cNvPr id="12" name="Picture 11"/>
-            <p:cNvPicPr>
-              <a:picLocks noChangeAspect="1"/>
-            </p:cNvPicPr>
-            <p:nvPr userDrawn="1"/>
-          </p:nvPicPr>
-          <p:blipFill>
-            <a:blip r:embed="rId3" cstate="print">
-              <a:extLst>
-                <a:ext uri="{28A0092B-C50C-407E-A947-70E740481C1C}">
-                  <a14:useLocalDpi xmlns:a14="http://schemas.microsoft.com/office/drawing/2010/main" val="0"/>
-                </a:ext>
-              </a:extLst>
-            </a:blip>
-            <a:stretch>
-              <a:fillRect/>
-            </a:stretch>
-          </p:blipFill>
-          <p:spPr>
-            <a:xfrm>
-              <a:off x="10406850" y="-171606"/>
-              <a:ext cx="2131605" cy="1506912"/>
-            </a:xfrm>
-            <a:prstGeom prst="rect">
-              <a:avLst/>
-            </a:prstGeom>
-          </p:spPr>
-        </p:pic>
-        <p:cxnSp>
-          <p:nvCxnSpPr>
-            <p:cNvPr id="13" name="Straight Arrow Connector 12"/>
-            <p:cNvCxnSpPr/>
-            <p:nvPr userDrawn="1"/>
-          </p:nvCxnSpPr>
-          <p:spPr>
-            <a:xfrm>
-              <a:off x="0" y="818050"/>
-              <a:ext cx="10800000" cy="8893"/>
-            </a:xfrm>
-            <a:prstGeom prst="straightConnector1">
-              <a:avLst/>
-            </a:prstGeom>
-            <a:ln w="31750">
-              <a:solidFill>
-                <a:srgbClr val="9F2728"/>
-              </a:solidFill>
-              <a:tailEnd type="triangle"/>
-            </a:ln>
-          </p:spPr>
-          <p:style>
-            <a:lnRef idx="1">
-              <a:schemeClr val="accent1"/>
-            </a:lnRef>
-            <a:fillRef idx="0">
-              <a:schemeClr val="accent1"/>
-            </a:fillRef>
-            <a:effectRef idx="0">
-              <a:schemeClr val="accent1"/>
-            </a:effectRef>
-            <a:fontRef idx="minor">
-              <a:schemeClr val="tx1"/>
-            </a:fontRef>
-          </p:style>
-        </p:cxnSp>
-      </p:grpSp>
       <p:sp>
         <p:nvSpPr>
           <p:cNvPr id="14" name="Title 1"/>
@@ -4646,27 +4036,6 @@
 <file path=ppt/slideLayouts/slideLayout7.xml><?xml version="1.0" encoding="utf-8"?>
 <p:sldLayout xmlns:a="http://schemas.openxmlformats.org/drawingml/2006/main" xmlns:r="http://schemas.openxmlformats.org/officeDocument/2006/relationships" xmlns:p="http://schemas.openxmlformats.org/presentationml/2006/main" preserve="1" userDrawn="1">
   <p:cSld name="Custom Layout">
-    <p:bg>
-      <p:bgPr>
-        <a:gradFill flip="none" rotWithShape="1">
-          <a:gsLst>
-            <a:gs pos="10000">
-              <a:srgbClr val="9F2728"/>
-            </a:gs>
-            <a:gs pos="100000">
-              <a:schemeClr val="bg2">
-                <a:shade val="96000"/>
-                <a:satMod val="120000"/>
-                <a:lumMod val="90000"/>
-              </a:schemeClr>
-            </a:gs>
-          </a:gsLst>
-          <a:lin ang="0" scaled="1"/>
-          <a:tileRect/>
-        </a:gradFill>
-        <a:effectLst/>
-      </p:bgPr>
-    </p:bg>
     <p:spTree>
       <p:nvGrpSpPr>
         <p:cNvPr id="1" name=""/>
@@ -4977,36 +4346,6 @@
           </a:fontRef>
         </p:style>
       </p:cxnSp>
-      <p:pic>
-        <p:nvPicPr>
-          <p:cNvPr id="17" name="Picture 16"/>
-          <p:cNvPicPr>
-            <a:picLocks noChangeAspect="1"/>
-          </p:cNvPicPr>
-          <p:nvPr userDrawn="1"/>
-        </p:nvPicPr>
-        <p:blipFill>
-          <a:blip r:embed="rId2" cstate="print">
-            <a:extLst>
-              <a:ext uri="{28A0092B-C50C-407E-A947-70E740481C1C}">
-                <a14:useLocalDpi xmlns:a14="http://schemas.microsoft.com/office/drawing/2010/main" val="0"/>
-              </a:ext>
-            </a:extLst>
-          </a:blip>
-          <a:stretch>
-            <a:fillRect/>
-          </a:stretch>
-        </p:blipFill>
-        <p:spPr>
-          <a:xfrm>
-            <a:off x="8546763" y="4599931"/>
-            <a:ext cx="3808219" cy="2692174"/>
-          </a:xfrm>
-          <a:prstGeom prst="rect">
-            <a:avLst/>
-          </a:prstGeom>
-        </p:spPr>
-      </p:pic>
       <p:sp>
         <p:nvSpPr>
           <p:cNvPr id="11" name="Title Placeholder 1"/>
@@ -5058,9 +4397,33 @@
   <p:cSld>
     <p:bg>
       <p:bgPr>
-        <a:solidFill>
-          <a:schemeClr val="bg1"/>
-        </a:solidFill>
+        <a:gradFill flip="none" rotWithShape="1">
+          <a:gsLst>
+            <a:gs pos="0">
+              <a:schemeClr val="accent1">
+                <a:lumMod val="40000"/>
+                <a:lumOff val="60000"/>
+              </a:schemeClr>
+            </a:gs>
+            <a:gs pos="39000">
+              <a:schemeClr val="accent1">
+                <a:lumMod val="45000"/>
+                <a:lumOff val="55000"/>
+              </a:schemeClr>
+            </a:gs>
+            <a:gs pos="79000">
+              <a:schemeClr val="accent1">
+                <a:lumMod val="45000"/>
+                <a:lumOff val="55000"/>
+              </a:schemeClr>
+            </a:gs>
+            <a:gs pos="100000">
+              <a:srgbClr val="FFFF00"/>
+            </a:gs>
+          </a:gsLst>
+          <a:lin ang="5400000" scaled="1"/>
+          <a:tileRect/>
+        </a:gradFill>
         <a:effectLst/>
       </p:bgPr>
     </p:bg>
@@ -5511,7 +4874,7 @@
           <a:lstStyle/>
           <a:p>
             <a:r>
-              <a:rPr lang="en-US" dirty="0" smtClean="0"/>
+              <a:rPr lang="en-US" dirty="0"/>
               <a:t>Testing. Unittest</a:t>
             </a:r>
             <a:endParaRPr lang="ru-RU" dirty="0"/>
@@ -5576,16 +4939,10 @@
               </a:lnSpc>
             </a:pPr>
             <a:r>
-              <a:rPr lang="en-US" sz="2800" dirty="0" smtClean="0">
-                <a:latin typeface="+mn-lt"/>
-              </a:rPr>
-              <a:t>We </a:t>
-            </a:r>
-            <a:r>
               <a:rPr lang="en-US" sz="2800" dirty="0">
                 <a:latin typeface="+mn-lt"/>
               </a:rPr>
-              <a:t>can factor out set-up code by implementing a method called </a:t>
+              <a:t>We can factor out set-up code by implementing a method called </a:t>
             </a:r>
             <a:r>
               <a:rPr lang="en-US" sz="2800" dirty="0" err="1">
@@ -5632,9 +4989,6 @@
               </a:rPr>
               <a:t>Organizing test code</a:t>
             </a:r>
-            <a:endParaRPr lang="en-US" sz="3600" dirty="0">
-              <a:latin typeface="+mj-lt"/>
-            </a:endParaRPr>
           </a:p>
         </p:txBody>
       </p:sp>
@@ -6292,9 +5646,6 @@
               </a:rPr>
               <a:t>Organizing test code</a:t>
             </a:r>
-            <a:endParaRPr lang="en-US" sz="3600" dirty="0">
-              <a:latin typeface="+mj-lt"/>
-            </a:endParaRPr>
           </a:p>
         </p:txBody>
       </p:sp>
@@ -6830,9 +6181,6 @@
               </a:rPr>
               <a:t>Organizing test code</a:t>
             </a:r>
-            <a:endParaRPr lang="en-US" sz="3600" dirty="0">
-              <a:latin typeface="+mj-lt"/>
-            </a:endParaRPr>
           </a:p>
         </p:txBody>
       </p:sp>
@@ -6844,7 +6192,7 @@
         </p:nvSpPr>
         <p:spPr>
           <a:xfrm>
-            <a:off x="1297510" y="3704748"/>
+            <a:off x="1297510" y="3572668"/>
             <a:ext cx="9810750" cy="2862322"/>
           </a:xfrm>
           <a:prstGeom prst="rect">
@@ -7324,30 +6672,18 @@
               <a:rPr lang="en-US" sz="2800" dirty="0">
                 <a:latin typeface="+mn-lt"/>
               </a:rPr>
-              <a:t> </a:t>
-            </a:r>
-            <a:r>
-              <a:rPr lang="en-US" sz="2800" dirty="0" smtClean="0">
-                <a:latin typeface="+mn-lt"/>
-              </a:rPr>
-              <a:t>subclass.</a:t>
+              <a:t> subclass.</a:t>
             </a:r>
             <a:br>
-              <a:rPr lang="en-US" sz="2800" dirty="0" smtClean="0">
+              <a:rPr lang="en-US" sz="2800" dirty="0">
                 <a:latin typeface="+mn-lt"/>
               </a:rPr>
             </a:br>
             <a:r>
-              <a:rPr lang="en-US" sz="2800" dirty="0" smtClean="0">
-                <a:latin typeface="+mn-lt"/>
-              </a:rPr>
-              <a:t>For </a:t>
-            </a:r>
-            <a:r>
               <a:rPr lang="en-US" sz="2800" dirty="0">
                 <a:latin typeface="+mn-lt"/>
               </a:rPr>
-              <a:t>this reason, unittest provides a </a:t>
+              <a:t>For this reason, unittest provides a </a:t>
             </a:r>
             <a:r>
               <a:rPr lang="en-US" sz="2800" i="1" dirty="0" err="1">
@@ -7412,9 +6748,6 @@
               </a:rPr>
               <a:t>Organizing test code</a:t>
             </a:r>
-            <a:endParaRPr lang="en-US" sz="3600" dirty="0">
-              <a:latin typeface="+mj-lt"/>
-            </a:endParaRPr>
           </a:p>
         </p:txBody>
       </p:sp>
@@ -7454,7 +6787,7 @@
           <a:lstStyle/>
           <a:p>
             <a:r>
-              <a:rPr lang="en-US" sz="2000" dirty="0" smtClean="0">
+              <a:rPr lang="en-US" sz="2000" dirty="0">
                 <a:solidFill>
                   <a:srgbClr val="ED7C33"/>
                 </a:solidFill>
@@ -7464,7 +6797,7 @@
               <a:t>def</a:t>
             </a:r>
             <a:r>
-              <a:rPr lang="en-US" sz="2000" dirty="0" smtClean="0">
+              <a:rPr lang="en-US" sz="2000" dirty="0">
                 <a:solidFill>
                   <a:schemeClr val="tx1"/>
                 </a:solidFill>
@@ -7579,17 +6912,7 @@
                 <a:latin typeface="Courier New" panose="02070309020205020404" pitchFamily="49" charset="0"/>
                 <a:cs typeface="Courier New" panose="02070309020205020404" pitchFamily="49" charset="0"/>
               </a:rPr>
-              <a:t>    # </a:t>
-            </a:r>
-            <a:r>
-              <a:rPr lang="en-US" sz="2000" dirty="0" smtClean="0">
-                <a:solidFill>
-                  <a:schemeClr val="tx1"/>
-                </a:solidFill>
-                <a:latin typeface="Courier New" panose="02070309020205020404" pitchFamily="49" charset="0"/>
-                <a:cs typeface="Courier New" panose="02070309020205020404" pitchFamily="49" charset="0"/>
-              </a:rPr>
-              <a:t>...</a:t>
+              <a:t>    # ...</a:t>
             </a:r>
           </a:p>
           <a:p>
@@ -7865,9 +7188,6 @@
               </a:rPr>
               <a:t>Skipping tests and expected failures</a:t>
             </a:r>
-            <a:endParaRPr lang="en-US" sz="3600" dirty="0">
-              <a:latin typeface="+mj-lt"/>
-            </a:endParaRPr>
           </a:p>
         </p:txBody>
       </p:sp>
@@ -8616,7 +7936,7 @@
               </a:lnSpc>
             </a:pPr>
             <a:r>
-              <a:rPr lang="en-US" sz="2800" i="1" dirty="0">
+              <a:rPr lang="en-US" sz="2400" i="1" dirty="0">
                 <a:solidFill>
                   <a:srgbClr val="ED7C33"/>
                 </a:solidFill>
@@ -8625,7 +7945,7 @@
               <a:t>@</a:t>
             </a:r>
             <a:r>
-              <a:rPr lang="en-US" sz="2800" i="1" dirty="0" err="1">
+              <a:rPr lang="en-US" sz="2400" i="1" dirty="0" err="1">
                 <a:solidFill>
                   <a:srgbClr val="ED7C33"/>
                 </a:solidFill>
@@ -8634,7 +7954,7 @@
               <a:t>unittest.skip</a:t>
             </a:r>
             <a:r>
-              <a:rPr lang="en-US" sz="2800" i="1" dirty="0">
+              <a:rPr lang="en-US" sz="2400" i="1" dirty="0">
                 <a:solidFill>
                   <a:srgbClr val="ED7C33"/>
                 </a:solidFill>
@@ -8642,59 +7962,29 @@
               </a:rPr>
               <a:t>(reason)</a:t>
             </a:r>
-            <a:r>
-              <a:rPr lang="en-US" sz="2400" dirty="0">
-                <a:latin typeface="+mn-lt"/>
-              </a:rPr>
-              <a:t/>
-            </a:r>
             <a:br>
-              <a:rPr lang="en-US" sz="2400" dirty="0">
+              <a:rPr lang="en-US" sz="2000" dirty="0">
                 <a:latin typeface="+mn-lt"/>
               </a:rPr>
             </a:br>
             <a:r>
-              <a:rPr lang="en-US" sz="2400" dirty="0" smtClean="0">
-                <a:latin typeface="+mn-lt"/>
-              </a:rPr>
-              <a:t>	Unconditionally </a:t>
-            </a:r>
-            <a:r>
-              <a:rPr lang="en-US" sz="2400" dirty="0">
-                <a:latin typeface="+mn-lt"/>
-              </a:rPr>
-              <a:t>skip the decorated test. reason should describe why the </a:t>
-            </a:r>
-            <a:r>
-              <a:rPr lang="en-US" sz="2400" dirty="0" smtClean="0">
-                <a:latin typeface="+mn-lt"/>
-              </a:rPr>
-              <a:t>	test </a:t>
-            </a:r>
-            <a:r>
-              <a:rPr lang="en-US" sz="2400" dirty="0">
-                <a:latin typeface="+mn-lt"/>
-              </a:rPr>
-              <a:t>is being skipped.</a:t>
+              <a:rPr lang="en-US" sz="2000" dirty="0">
+                <a:latin typeface="+mn-lt"/>
+              </a:rPr>
+              <a:t>	Unconditionally skip the decorated test. reason should describe why the 	test is being skipped.</a:t>
             </a:r>
             <a:br>
-              <a:rPr lang="en-US" sz="2400" dirty="0">
+              <a:rPr lang="en-US" sz="2000" dirty="0">
                 <a:latin typeface="+mn-lt"/>
               </a:rPr>
             </a:br>
-            <a:r>
-              <a:rPr lang="en-US" sz="2400" dirty="0">
-                <a:latin typeface="+mn-lt"/>
-              </a:rPr>
-              <a:t/>
-            </a:r>
             <a:br>
-              <a:rPr lang="en-US" sz="2400" dirty="0">
+              <a:rPr lang="en-US" sz="2000" dirty="0">
                 <a:latin typeface="+mn-lt"/>
               </a:rPr>
             </a:br>
             <a:r>
-              <a:rPr lang="en-US" sz="2800" i="1" dirty="0">
+              <a:rPr lang="en-US" sz="2400" i="1" dirty="0">
                 <a:solidFill>
                   <a:srgbClr val="ED7C33"/>
                 </a:solidFill>
@@ -8703,7 +7993,7 @@
               <a:t>@</a:t>
             </a:r>
             <a:r>
-              <a:rPr lang="en-US" sz="2800" i="1" dirty="0" err="1">
+              <a:rPr lang="en-US" sz="2400" i="1" dirty="0" err="1">
                 <a:solidFill>
                   <a:srgbClr val="ED7C33"/>
                 </a:solidFill>
@@ -8712,7 +8002,7 @@
               <a:t>unittest.skipIf</a:t>
             </a:r>
             <a:r>
-              <a:rPr lang="en-US" sz="2800" i="1" dirty="0">
+              <a:rPr lang="en-US" sz="2400" i="1" dirty="0">
                 <a:solidFill>
                   <a:srgbClr val="ED7C33"/>
                 </a:solidFill>
@@ -8720,47 +8010,29 @@
               </a:rPr>
               <a:t>(condition, reason)</a:t>
             </a:r>
-            <a:r>
-              <a:rPr lang="en-US" sz="2400" dirty="0">
-                <a:latin typeface="+mn-lt"/>
-              </a:rPr>
-              <a:t/>
-            </a:r>
             <a:br>
-              <a:rPr lang="en-US" sz="2400" dirty="0">
+              <a:rPr lang="en-US" sz="2000" dirty="0">
                 <a:latin typeface="+mn-lt"/>
               </a:rPr>
             </a:br>
             <a:r>
-              <a:rPr lang="en-US" sz="2400" dirty="0" smtClean="0">
-                <a:latin typeface="+mn-lt"/>
-              </a:rPr>
-              <a:t>	Skip </a:t>
-            </a:r>
-            <a:r>
-              <a:rPr lang="en-US" sz="2400" dirty="0">
-                <a:latin typeface="+mn-lt"/>
-              </a:rPr>
-              <a:t>the decorated test if condition is true.</a:t>
+              <a:rPr lang="en-US" sz="2000" dirty="0">
+                <a:latin typeface="+mn-lt"/>
+              </a:rPr>
+              <a:t>	Skip the decorated test if condition is true.</a:t>
             </a:r>
             <a:br>
-              <a:rPr lang="en-US" sz="2400" dirty="0">
+              <a:rPr lang="en-US" sz="2000" dirty="0">
                 <a:latin typeface="+mn-lt"/>
               </a:rPr>
             </a:br>
-            <a:r>
-              <a:rPr lang="en-US" sz="2400" dirty="0">
-                <a:latin typeface="+mn-lt"/>
-              </a:rPr>
-              <a:t/>
-            </a:r>
             <a:br>
-              <a:rPr lang="en-US" sz="2400" dirty="0">
+              <a:rPr lang="en-US" sz="2000" dirty="0">
                 <a:latin typeface="+mn-lt"/>
               </a:rPr>
             </a:br>
             <a:r>
-              <a:rPr lang="en-US" sz="2800" i="1" dirty="0">
+              <a:rPr lang="en-US" sz="2400" i="1" dirty="0">
                 <a:solidFill>
                   <a:srgbClr val="ED7C33"/>
                 </a:solidFill>
@@ -8769,7 +8041,7 @@
               <a:t>@</a:t>
             </a:r>
             <a:r>
-              <a:rPr lang="en-US" sz="2800" i="1" dirty="0" err="1">
+              <a:rPr lang="en-US" sz="2400" i="1" dirty="0" err="1">
                 <a:solidFill>
                   <a:srgbClr val="ED7C33"/>
                 </a:solidFill>
@@ -8778,7 +8050,7 @@
               <a:t>unittest.skipUnless</a:t>
             </a:r>
             <a:r>
-              <a:rPr lang="en-US" sz="2800" i="1" dirty="0">
+              <a:rPr lang="en-US" sz="2400" i="1" dirty="0">
                 <a:solidFill>
                   <a:srgbClr val="ED7C33"/>
                 </a:solidFill>
@@ -8786,47 +8058,29 @@
               </a:rPr>
               <a:t>(condition, reason)</a:t>
             </a:r>
-            <a:r>
-              <a:rPr lang="en-US" sz="2400" dirty="0">
-                <a:latin typeface="+mn-lt"/>
-              </a:rPr>
-              <a:t/>
-            </a:r>
             <a:br>
-              <a:rPr lang="en-US" sz="2400" dirty="0">
+              <a:rPr lang="en-US" sz="2000" dirty="0">
                 <a:latin typeface="+mn-lt"/>
               </a:rPr>
             </a:br>
             <a:r>
-              <a:rPr lang="en-US" sz="2400" dirty="0" smtClean="0">
-                <a:latin typeface="+mn-lt"/>
-              </a:rPr>
-              <a:t>	Skip </a:t>
-            </a:r>
-            <a:r>
-              <a:rPr lang="en-US" sz="2400" dirty="0">
-                <a:latin typeface="+mn-lt"/>
-              </a:rPr>
-              <a:t>the decorated test unless condition is true.</a:t>
+              <a:rPr lang="en-US" sz="2000" dirty="0">
+                <a:latin typeface="+mn-lt"/>
+              </a:rPr>
+              <a:t>	Skip the decorated test unless condition is true.</a:t>
             </a:r>
             <a:br>
-              <a:rPr lang="en-US" sz="2400" dirty="0">
+              <a:rPr lang="en-US" sz="2000" dirty="0">
                 <a:latin typeface="+mn-lt"/>
               </a:rPr>
             </a:br>
-            <a:r>
-              <a:rPr lang="en-US" sz="2400" dirty="0">
-                <a:latin typeface="+mn-lt"/>
-              </a:rPr>
-              <a:t/>
-            </a:r>
             <a:br>
-              <a:rPr lang="en-US" sz="2400" dirty="0">
+              <a:rPr lang="en-US" sz="2000" dirty="0">
                 <a:latin typeface="+mn-lt"/>
               </a:rPr>
             </a:br>
             <a:r>
-              <a:rPr lang="en-US" sz="2800" i="1" dirty="0">
+              <a:rPr lang="en-US" sz="2400" i="1" dirty="0">
                 <a:solidFill>
                   <a:srgbClr val="ED7C33"/>
                 </a:solidFill>
@@ -8835,7 +8089,7 @@
               <a:t>@</a:t>
             </a:r>
             <a:r>
-              <a:rPr lang="en-US" sz="2800" i="1" dirty="0" err="1">
+              <a:rPr lang="en-US" sz="2400" i="1" dirty="0" err="1">
                 <a:solidFill>
                   <a:srgbClr val="ED7C33"/>
                 </a:solidFill>
@@ -8843,41 +8097,29 @@
               </a:rPr>
               <a:t>unittest.expectedFailure</a:t>
             </a:r>
-            <a:r>
-              <a:rPr lang="en-US" sz="2400" dirty="0">
-                <a:latin typeface="+mn-lt"/>
-              </a:rPr>
-              <a:t/>
-            </a:r>
             <a:br>
-              <a:rPr lang="en-US" sz="2400" dirty="0">
+              <a:rPr lang="en-US" sz="2000" dirty="0">
                 <a:latin typeface="+mn-lt"/>
               </a:rPr>
             </a:br>
             <a:r>
-              <a:rPr lang="en-US" sz="2400" dirty="0" smtClean="0">
+              <a:rPr lang="en-US" sz="2000" dirty="0">
                 <a:latin typeface="+mn-lt"/>
               </a:rPr>
               <a:t>	Mark the test as an expected failure. If the test fails when run, the test is 	not counted as a failure.</a:t>
             </a:r>
             <a:br>
-              <a:rPr lang="en-US" sz="2400" dirty="0" smtClean="0">
+              <a:rPr lang="en-US" sz="2000" dirty="0">
                 <a:latin typeface="+mn-lt"/>
               </a:rPr>
             </a:br>
-            <a:r>
-              <a:rPr lang="en-US" sz="2400" dirty="0">
-                <a:latin typeface="+mn-lt"/>
-              </a:rPr>
-              <a:t/>
-            </a:r>
             <a:br>
-              <a:rPr lang="en-US" sz="2400" dirty="0">
+              <a:rPr lang="en-US" sz="2000" dirty="0">
                 <a:latin typeface="+mn-lt"/>
               </a:rPr>
             </a:br>
             <a:r>
-              <a:rPr lang="en-US" sz="2800" i="1" dirty="0">
+              <a:rPr lang="en-US" sz="2400" i="1" dirty="0">
                 <a:solidFill>
                   <a:srgbClr val="ED7C33"/>
                 </a:solidFill>
@@ -8886,7 +8128,7 @@
               <a:t>exception </a:t>
             </a:r>
             <a:r>
-              <a:rPr lang="en-US" sz="2800" i="1" dirty="0" err="1">
+              <a:rPr lang="en-US" sz="2400" i="1" dirty="0" err="1">
                 <a:solidFill>
                   <a:srgbClr val="ED7C33"/>
                 </a:solidFill>
@@ -8895,7 +8137,7 @@
               <a:t>unittest.SkipTest</a:t>
             </a:r>
             <a:r>
-              <a:rPr lang="en-US" sz="2800" i="1" dirty="0">
+              <a:rPr lang="en-US" sz="2400" i="1" dirty="0">
                 <a:solidFill>
                   <a:srgbClr val="ED7C33"/>
                 </a:solidFill>
@@ -8903,30 +8145,18 @@
               </a:rPr>
               <a:t>(reason)</a:t>
             </a:r>
-            <a:r>
-              <a:rPr lang="en-US" sz="2400" dirty="0">
-                <a:latin typeface="+mn-lt"/>
-              </a:rPr>
-              <a:t/>
-            </a:r>
             <a:br>
-              <a:rPr lang="en-US" sz="2400" dirty="0">
+              <a:rPr lang="en-US" sz="2000" dirty="0">
                 <a:latin typeface="+mn-lt"/>
               </a:rPr>
             </a:br>
             <a:r>
-              <a:rPr lang="en-US" sz="2400" dirty="0" smtClean="0">
-                <a:latin typeface="+mn-lt"/>
-              </a:rPr>
-              <a:t>	This </a:t>
-            </a:r>
-            <a:r>
-              <a:rPr lang="en-US" sz="2400" dirty="0">
-                <a:latin typeface="+mn-lt"/>
-              </a:rPr>
-              <a:t>exception is raised to skip a test.</a:t>
-            </a:r>
-            <a:endParaRPr lang="ru-RU" sz="2400" dirty="0">
+              <a:rPr lang="en-US" sz="2000" dirty="0">
+                <a:latin typeface="+mn-lt"/>
+              </a:rPr>
+              <a:t>	This exception is raised to skip a test.</a:t>
+            </a:r>
+            <a:endParaRPr lang="ru-RU" sz="2000" dirty="0">
               <a:latin typeface="+mn-lt"/>
             </a:endParaRPr>
           </a:p>
@@ -8959,9 +8189,6 @@
               </a:rPr>
               <a:t>Skipping tests and expected failures</a:t>
             </a:r>
-            <a:endParaRPr lang="en-US" sz="3600" dirty="0">
-              <a:latin typeface="+mj-lt"/>
-            </a:endParaRPr>
           </a:p>
         </p:txBody>
       </p:sp>
@@ -9024,14 +8251,8 @@
               </a:rPr>
               <a:t>The unittest unit testing framework was originally inspired by JUnit and has a similar flavor as major unit testing frameworks in other languages. It supports test automation, sharing of setup and shutdown code for tests, aggregation of tests into collections, and independence of the tests from the reporting framework.</a:t>
             </a:r>
-            <a:r>
-              <a:rPr lang="en-US" sz="2800" dirty="0" smtClean="0">
-                <a:latin typeface="+mn-lt"/>
-              </a:rPr>
-              <a:t/>
-            </a:r>
             <a:br>
-              <a:rPr lang="en-US" sz="2800" dirty="0" smtClean="0">
+              <a:rPr lang="en-US" sz="2800" dirty="0">
                 <a:latin typeface="+mn-lt"/>
               </a:rPr>
             </a:br>
@@ -9128,72 +8349,13 @@
               <a:rPr lang="en-US" sz="2800" dirty="0">
                 <a:latin typeface="+mn-lt"/>
               </a:rPr>
-              <a:t>The unittest module provides a rich set of tools for constructing and running tests. This section demonstrates that a small subset of the tools suffice to meet the needs of most users</a:t>
-            </a:r>
-            <a:r>
-              <a:rPr lang="en-US" sz="2800" dirty="0" smtClean="0">
-                <a:latin typeface="+mn-lt"/>
-              </a:rPr>
-              <a:t>.</a:t>
-            </a:r>
-            <a:br>
-              <a:rPr lang="en-US" sz="2800" dirty="0" smtClean="0">
-                <a:latin typeface="+mn-lt"/>
-              </a:rPr>
-            </a:br>
-            <a:r>
-              <a:rPr lang="en-US" sz="2800" dirty="0">
-                <a:latin typeface="+mn-lt"/>
-              </a:rPr>
-              <a:t/>
+              <a:t>The unittest module provides a rich set of tools for constructing and running tests. This section demonstrates that a small subset of the tools suffice to meet the needs of most users.</a:t>
             </a:r>
             <a:br>
               <a:rPr lang="en-US" sz="2800" dirty="0">
                 <a:latin typeface="+mn-lt"/>
               </a:rPr>
             </a:br>
-            <a:r>
-              <a:rPr lang="en-US" sz="2800" dirty="0">
-                <a:latin typeface="+mn-lt"/>
-              </a:rPr>
-              <a:t>A </a:t>
-            </a:r>
-            <a:r>
-              <a:rPr lang="en-US" sz="2800" dirty="0" err="1">
-                <a:latin typeface="+mn-lt"/>
-              </a:rPr>
-              <a:t>testcase</a:t>
-            </a:r>
-            <a:r>
-              <a:rPr lang="en-US" sz="2800" dirty="0">
-                <a:latin typeface="+mn-lt"/>
-              </a:rPr>
-              <a:t> is created by </a:t>
-            </a:r>
-            <a:r>
-              <a:rPr lang="en-US" sz="2800" dirty="0" err="1">
-                <a:latin typeface="+mn-lt"/>
-              </a:rPr>
-              <a:t>subclassing</a:t>
-            </a:r>
-            <a:r>
-              <a:rPr lang="en-US" sz="2800" dirty="0">
-                <a:latin typeface="+mn-lt"/>
-              </a:rPr>
-              <a:t> </a:t>
-            </a:r>
-            <a:r>
-              <a:rPr lang="en-US" sz="2800" dirty="0" err="1">
-                <a:latin typeface="+mn-lt"/>
-              </a:rPr>
-              <a:t>unittest.TestCase</a:t>
-            </a:r>
-            <a:r>
-              <a:rPr lang="en-US" sz="2800" dirty="0">
-                <a:latin typeface="+mn-lt"/>
-              </a:rPr>
-              <a:t>. The three individual tests are defined with methods whose names start with the letters test. This naming convention informs the test runner about which methods represent tests.</a:t>
-            </a:r>
             <a:br>
               <a:rPr lang="en-US" sz="2800" dirty="0">
                 <a:latin typeface="+mn-lt"/>
@@ -9203,17 +8365,58 @@
               <a:rPr lang="en-US" sz="2800" dirty="0">
                 <a:latin typeface="+mn-lt"/>
               </a:rPr>
-              <a:t/>
+              <a:t>A </a:t>
+            </a:r>
+            <a:r>
+              <a:rPr lang="en-US" sz="2800" dirty="0" err="1">
+                <a:latin typeface="+mn-lt"/>
+              </a:rPr>
+              <a:t>testcase</a:t>
+            </a:r>
+            <a:r>
+              <a:rPr lang="en-US" sz="2800" dirty="0">
+                <a:latin typeface="+mn-lt"/>
+              </a:rPr>
+              <a:t> is created by </a:t>
+            </a:r>
+            <a:r>
+              <a:rPr lang="en-US" sz="2800" dirty="0" err="1">
+                <a:latin typeface="+mn-lt"/>
+              </a:rPr>
+              <a:t>subclassing</a:t>
+            </a:r>
+            <a:r>
+              <a:rPr lang="en-US" sz="2800" dirty="0">
+                <a:latin typeface="+mn-lt"/>
+              </a:rPr>
+              <a:t> </a:t>
+            </a:r>
+            <a:r>
+              <a:rPr lang="en-US" sz="2800" dirty="0" err="1">
+                <a:latin typeface="+mn-lt"/>
+              </a:rPr>
+              <a:t>unittest.TestCase</a:t>
+            </a:r>
+            <a:r>
+              <a:rPr lang="en-US" sz="2800" dirty="0">
+                <a:latin typeface="+mn-lt"/>
+              </a:rPr>
+              <a:t>. The three individual tests are defined with methods whose names start with the letters test. This naming convention informs the test runner about which methods represent tests.</a:t>
             </a:r>
             <a:br>
               <a:rPr lang="en-US" sz="2800" dirty="0">
                 <a:latin typeface="+mn-lt"/>
               </a:rPr>
             </a:br>
-            <a:r>
+            <a:br>
               <a:rPr lang="en-US" sz="2800" dirty="0">
                 <a:latin typeface="+mn-lt"/>
               </a:rPr>
+            </a:br>
+            <a:r>
+              <a:rPr lang="en-US" sz="2800" dirty="0">
+                <a:latin typeface="+mn-lt"/>
+              </a:rPr>
               <a:t>The crux of each test is a call to assertEqual() to check for an expected result; </a:t>
             </a:r>
             <a:r>
@@ -9252,14 +8455,8 @@
               </a:rPr>
               <a:t>() to verify that a specific exception gets raised. These methods are used instead of the assert statement so the test runner can accumulate all test results and produce a report.</a:t>
             </a:r>
-            <a:r>
-              <a:rPr lang="en-US" sz="2800" dirty="0" smtClean="0">
-                <a:latin typeface="+mn-lt"/>
-              </a:rPr>
-              <a:t/>
-            </a:r>
             <a:br>
-              <a:rPr lang="en-US" sz="2800" dirty="0" smtClean="0">
+              <a:rPr lang="en-US" sz="2800" dirty="0">
                 <a:latin typeface="+mn-lt"/>
               </a:rPr>
             </a:br>
@@ -9356,108 +8553,54 @@
               <a:rPr lang="en-US" sz="2800" dirty="0">
                 <a:latin typeface="+mn-lt"/>
               </a:rPr>
-              <a:t>The unittest module can be used from the command line to run tests from modules, classes or even individual test methods</a:t>
-            </a:r>
-            <a:r>
-              <a:rPr lang="en-US" sz="2800" dirty="0" smtClean="0">
-                <a:latin typeface="+mn-lt"/>
-              </a:rPr>
-              <a:t>:</a:t>
-            </a:r>
-            <a:br>
-              <a:rPr lang="en-US" sz="2800" dirty="0" smtClean="0">
-                <a:latin typeface="+mn-lt"/>
-              </a:rPr>
-            </a:br>
-            <a:r>
-              <a:rPr lang="en-US" sz="2800" dirty="0">
-                <a:latin typeface="+mn-lt"/>
-              </a:rPr>
-              <a:t/>
+              <a:t>The unittest module can be used from the command line to run tests from modules, classes or even individual test methods:</a:t>
             </a:r>
             <a:br>
               <a:rPr lang="en-US" sz="2800" dirty="0">
                 <a:latin typeface="+mn-lt"/>
               </a:rPr>
             </a:br>
-            <a:r>
-              <a:rPr lang="en-US" sz="2800" dirty="0" smtClean="0">
-                <a:latin typeface="+mn-lt"/>
-              </a:rPr>
-              <a:t/>
-            </a:r>
-            <a:br>
-              <a:rPr lang="en-US" sz="2800" dirty="0" smtClean="0">
-                <a:latin typeface="+mn-lt"/>
-              </a:rPr>
-            </a:br>
-            <a:r>
-              <a:rPr lang="en-US" sz="2800" dirty="0">
-                <a:latin typeface="+mn-lt"/>
-              </a:rPr>
-              <a:t/>
-            </a:r>
             <a:br>
               <a:rPr lang="en-US" sz="2800" dirty="0">
                 <a:latin typeface="+mn-lt"/>
               </a:rPr>
             </a:br>
-            <a:r>
-              <a:rPr lang="en-US" sz="2800" dirty="0" smtClean="0">
-                <a:latin typeface="+mn-lt"/>
-              </a:rPr>
-              <a:t/>
-            </a:r>
-            <a:br>
-              <a:rPr lang="en-US" sz="2800" dirty="0" smtClean="0">
-                <a:latin typeface="+mn-lt"/>
-              </a:rPr>
-            </a:br>
-            <a:r>
-              <a:rPr lang="en-US" sz="2800" dirty="0">
-                <a:latin typeface="+mn-lt"/>
-              </a:rPr>
-              <a:t/>
-            </a:r>
             <a:br>
               <a:rPr lang="en-US" sz="2800" dirty="0">
                 <a:latin typeface="+mn-lt"/>
               </a:rPr>
             </a:br>
-            <a:r>
+            <a:br>
               <a:rPr lang="en-US" sz="2800" dirty="0">
                 <a:latin typeface="+mn-lt"/>
               </a:rPr>
+            </a:br>
+            <a:br>
+              <a:rPr lang="en-US" sz="2800" dirty="0">
+                <a:latin typeface="+mn-lt"/>
+              </a:rPr>
+            </a:br>
+            <a:br>
+              <a:rPr lang="en-US" sz="2800" dirty="0">
+                <a:latin typeface="+mn-lt"/>
+              </a:rPr>
+            </a:br>
+            <a:r>
+              <a:rPr lang="en-US" sz="2800" dirty="0">
+                <a:latin typeface="+mn-lt"/>
+              </a:rPr>
               <a:t>Test modules can be specified by file path as well:</a:t>
             </a:r>
-            <a:r>
-              <a:rPr lang="en-US" sz="2800" dirty="0" smtClean="0">
-                <a:latin typeface="+mn-lt"/>
-              </a:rPr>
-              <a:t/>
-            </a:r>
             <a:br>
-              <a:rPr lang="en-US" sz="2800" dirty="0" smtClean="0">
+              <a:rPr lang="en-US" sz="2800" dirty="0">
                 <a:latin typeface="+mn-lt"/>
               </a:rPr>
             </a:br>
-            <a:r>
-              <a:rPr lang="en-US" sz="2800" dirty="0" smtClean="0">
-                <a:latin typeface="+mn-lt"/>
-              </a:rPr>
-              <a:t/>
-            </a:r>
             <a:br>
-              <a:rPr lang="en-US" sz="2800" dirty="0" smtClean="0">
+              <a:rPr lang="en-US" sz="2800" dirty="0">
                 <a:latin typeface="+mn-lt"/>
               </a:rPr>
             </a:br>
-            <a:r>
-              <a:rPr lang="en-US" sz="2800" dirty="0">
-                <a:latin typeface="+mn-lt"/>
-              </a:rPr>
-              <a:t/>
-            </a:r>
             <a:br>
               <a:rPr lang="en-US" sz="2800" dirty="0">
                 <a:latin typeface="+mn-lt"/>
@@ -9500,17 +8643,8 @@
               <a:rPr lang="en-US" sz="3600" dirty="0">
                 <a:latin typeface="+mj-lt"/>
               </a:rPr>
-              <a:t>Command-Line </a:t>
-            </a:r>
-            <a:r>
-              <a:rPr lang="en-US" sz="3600" dirty="0" smtClean="0">
-                <a:latin typeface="+mj-lt"/>
-              </a:rPr>
-              <a:t>Interface</a:t>
-            </a:r>
-            <a:endParaRPr lang="en-US" sz="3600" dirty="0">
-              <a:latin typeface="+mj-lt"/>
-            </a:endParaRPr>
+              <a:t>Command-Line Interface</a:t>
+            </a:r>
           </a:p>
         </p:txBody>
       </p:sp>
@@ -9719,154 +8853,26 @@
               <a:rPr lang="en-US" sz="2800" dirty="0">
                 <a:latin typeface="+mn-lt"/>
               </a:rPr>
-              <a:t>unittest supports these command-line </a:t>
-            </a:r>
-            <a:r>
-              <a:rPr lang="en-US" sz="2800" dirty="0" smtClean="0">
-                <a:latin typeface="+mn-lt"/>
-              </a:rPr>
-              <a:t>options:</a:t>
-            </a:r>
-            <a:br>
-              <a:rPr lang="en-US" sz="2800" dirty="0" smtClean="0">
-                <a:latin typeface="+mn-lt"/>
-              </a:rPr>
-            </a:br>
-            <a:r>
-              <a:rPr lang="en-US" sz="2800" dirty="0" smtClean="0">
-                <a:latin typeface="+mn-lt"/>
-              </a:rPr>
-              <a:t/>
-            </a:r>
-            <a:br>
-              <a:rPr lang="en-US" sz="2800" dirty="0" smtClean="0">
-                <a:latin typeface="+mn-lt"/>
-              </a:rPr>
-            </a:br>
-            <a:r>
-              <a:rPr lang="en-US" sz="2400" b="1" i="1" dirty="0" smtClean="0">
-                <a:solidFill>
-                  <a:schemeClr val="accent2"/>
-                </a:solidFill>
-                <a:latin typeface="+mn-lt"/>
-              </a:rPr>
-              <a:t>-</a:t>
-            </a:r>
-            <a:r>
-              <a:rPr lang="en-US" sz="2400" b="1" i="1" dirty="0">
-                <a:solidFill>
-                  <a:schemeClr val="accent2"/>
-                </a:solidFill>
-                <a:latin typeface="+mn-lt"/>
-              </a:rPr>
-              <a:t>b, --</a:t>
-            </a:r>
-            <a:r>
-              <a:rPr lang="en-US" sz="2400" b="1" i="1" dirty="0" smtClean="0">
-                <a:solidFill>
-                  <a:schemeClr val="accent2"/>
-                </a:solidFill>
-                <a:latin typeface="+mn-lt"/>
-              </a:rPr>
-              <a:t>buffer</a:t>
-            </a:r>
-            <a:r>
-              <a:rPr lang="en-US" sz="2800" dirty="0" smtClean="0">
-                <a:latin typeface="+mn-lt"/>
-              </a:rPr>
-              <a:t/>
-            </a:r>
-            <a:br>
-              <a:rPr lang="en-US" sz="2800" dirty="0" smtClean="0">
-                <a:latin typeface="+mn-lt"/>
-              </a:rPr>
-            </a:br>
-            <a:r>
-              <a:rPr lang="en-US" sz="2400" dirty="0" smtClean="0">
-                <a:latin typeface="+mn-lt"/>
-              </a:rPr>
-              <a:t>The </a:t>
-            </a:r>
-            <a:r>
-              <a:rPr lang="en-US" sz="2400" dirty="0">
-                <a:latin typeface="+mn-lt"/>
-              </a:rPr>
-              <a:t>standard output and standard error streams are buffered during the test run. Output during a passing test is discarded. Output is echoed normally on test fail or error and is added to the failure messages.</a:t>
-            </a:r>
-            <a:r>
-              <a:rPr lang="en-US" sz="2800" dirty="0">
-                <a:latin typeface="+mn-lt"/>
-              </a:rPr>
-              <a:t/>
+              <a:t>unittest supports these command-line options:</a:t>
             </a:r>
             <a:br>
               <a:rPr lang="en-US" sz="2800" dirty="0">
                 <a:latin typeface="+mn-lt"/>
               </a:rPr>
             </a:br>
-            <a:r>
-              <a:rPr lang="en-US" sz="2800" dirty="0" smtClean="0">
-                <a:latin typeface="+mn-lt"/>
-              </a:rPr>
-              <a:t/>
-            </a:r>
-            <a:br>
-              <a:rPr lang="en-US" sz="2800" dirty="0" smtClean="0">
-                <a:latin typeface="+mn-lt"/>
-              </a:rPr>
-            </a:br>
-            <a:r>
-              <a:rPr lang="en-US" sz="2400" b="1" i="1" dirty="0" smtClean="0">
-                <a:solidFill>
-                  <a:schemeClr val="accent2"/>
-                </a:solidFill>
-                <a:latin typeface="+mn-lt"/>
-              </a:rPr>
-              <a:t>-</a:t>
-            </a:r>
-            <a:r>
-              <a:rPr lang="en-US" sz="2400" b="1" i="1" dirty="0">
-                <a:solidFill>
-                  <a:schemeClr val="accent2"/>
-                </a:solidFill>
-                <a:latin typeface="+mn-lt"/>
-              </a:rPr>
-              <a:t>c, --catch</a:t>
-            </a:r>
-            <a:r>
-              <a:rPr lang="en-US" sz="2800" dirty="0">
-                <a:latin typeface="+mn-lt"/>
-              </a:rPr>
-              <a:t/>
-            </a:r>
             <a:br>
               <a:rPr lang="en-US" sz="2800" dirty="0">
                 <a:latin typeface="+mn-lt"/>
               </a:rPr>
             </a:br>
             <a:r>
-              <a:rPr lang="en-US" sz="2400" dirty="0">
-                <a:latin typeface="+mn-lt"/>
-              </a:rPr>
-              <a:t>Control-C during the test run waits for the current test to end and then reports all the results so far. A second Control-C raises the normal </a:t>
-            </a:r>
-            <a:r>
-              <a:rPr lang="en-US" sz="2400" dirty="0" err="1">
-                <a:latin typeface="+mn-lt"/>
-              </a:rPr>
-              <a:t>KeyboardInterrupt</a:t>
-            </a:r>
-            <a:r>
-              <a:rPr lang="en-US" sz="2400" dirty="0">
-                <a:latin typeface="+mn-lt"/>
-              </a:rPr>
-              <a:t> exception.</a:t>
-            </a:r>
-            <a:r>
-              <a:rPr lang="en-US" sz="2800" dirty="0">
-                <a:latin typeface="+mn-lt"/>
-              </a:rPr>
-              <a:t/>
+              <a:rPr lang="en-US" sz="2400" b="1" i="1" dirty="0">
+                <a:solidFill>
+                  <a:schemeClr val="accent2"/>
+                </a:solidFill>
+                <a:latin typeface="+mn-lt"/>
+              </a:rPr>
+              <a:t>-b, --buffer</a:t>
             </a:r>
             <a:br>
               <a:rPr lang="en-US" sz="2800" dirty="0">
@@ -9874,62 +8880,29 @@
               </a:rPr>
             </a:br>
             <a:r>
-              <a:rPr lang="en-US" sz="2800" dirty="0">
-                <a:latin typeface="+mn-lt"/>
-              </a:rPr>
-              <a:t/>
+              <a:rPr lang="en-US" sz="2400" dirty="0">
+                <a:latin typeface="+mn-lt"/>
+              </a:rPr>
+              <a:t>The standard output and standard error streams are buffered during the test run. Output during a passing test is discarded. Output is echoed normally on test fail or error and is added to the failure messages.</a:t>
             </a:r>
             <a:br>
               <a:rPr lang="en-US" sz="2800" dirty="0">
                 <a:latin typeface="+mn-lt"/>
               </a:rPr>
             </a:br>
-            <a:r>
-              <a:rPr lang="en-US" sz="2800" dirty="0">
-                <a:latin typeface="+mn-lt"/>
-              </a:rPr>
-              <a:t>-</a:t>
-            </a:r>
-            <a:r>
-              <a:rPr lang="en-US" sz="2400" b="1" i="1" dirty="0">
-                <a:solidFill>
-                  <a:schemeClr val="accent2"/>
-                </a:solidFill>
-                <a:latin typeface="+mn-lt"/>
-              </a:rPr>
-              <a:t>f, --</a:t>
-            </a:r>
-            <a:r>
-              <a:rPr lang="en-US" sz="2400" b="1" i="1" dirty="0" err="1">
-                <a:solidFill>
-                  <a:schemeClr val="accent2"/>
-                </a:solidFill>
-                <a:latin typeface="+mn-lt"/>
-              </a:rPr>
-              <a:t>failfast</a:t>
-            </a:r>
-            <a:r>
-              <a:rPr lang="en-US" sz="2800" dirty="0">
-                <a:latin typeface="+mn-lt"/>
-              </a:rPr>
-              <a:t/>
-            </a:r>
             <a:br>
               <a:rPr lang="en-US" sz="2800" dirty="0">
                 <a:latin typeface="+mn-lt"/>
               </a:rPr>
             </a:br>
             <a:r>
-              <a:rPr lang="en-US" sz="2000" dirty="0">
-                <a:latin typeface="+mn-lt"/>
-              </a:rPr>
-              <a:t>Stop the test run on the first error or failure.</a:t>
-            </a:r>
-            <a:r>
-              <a:rPr lang="en-US" sz="2800" dirty="0">
-                <a:latin typeface="+mn-lt"/>
-              </a:rPr>
-              <a:t/>
+              <a:rPr lang="en-US" sz="2400" b="1" i="1" dirty="0">
+                <a:solidFill>
+                  <a:schemeClr val="accent2"/>
+                </a:solidFill>
+                <a:latin typeface="+mn-lt"/>
+              </a:rPr>
+              <a:t>-c, --catch</a:t>
             </a:r>
             <a:br>
               <a:rPr lang="en-US" sz="2800" dirty="0">
@@ -9937,14 +8910,73 @@
               </a:rPr>
             </a:br>
             <a:r>
+              <a:rPr lang="en-US" sz="2400" dirty="0">
+                <a:latin typeface="+mn-lt"/>
+              </a:rPr>
+              <a:t>Control-C during the test run waits for the current test to end and then reports all the results so far. A second Control-C raises the normal </a:t>
+            </a:r>
+            <a:r>
+              <a:rPr lang="en-US" sz="2400" dirty="0" err="1">
+                <a:latin typeface="+mn-lt"/>
+              </a:rPr>
+              <a:t>KeyboardInterrupt</a:t>
+            </a:r>
+            <a:r>
+              <a:rPr lang="en-US" sz="2400" dirty="0">
+                <a:latin typeface="+mn-lt"/>
+              </a:rPr>
+              <a:t> exception.</a:t>
+            </a:r>
+            <a:br>
+              <a:rPr lang="en-US" sz="2800" dirty="0">
+                <a:latin typeface="+mn-lt"/>
+              </a:rPr>
+            </a:br>
+            <a:br>
+              <a:rPr lang="en-US" sz="2800" dirty="0">
+                <a:latin typeface="+mn-lt"/>
+              </a:rPr>
+            </a:br>
+            <a:r>
+              <a:rPr lang="en-US" sz="2800" dirty="0">
+                <a:latin typeface="+mn-lt"/>
+              </a:rPr>
+              <a:t>-</a:t>
+            </a:r>
+            <a:r>
               <a:rPr lang="en-US" sz="2400" b="1" i="1" dirty="0">
                 <a:solidFill>
                   <a:schemeClr val="accent2"/>
                 </a:solidFill>
                 <a:latin typeface="+mn-lt"/>
               </a:rPr>
-              <a:t/>
-            </a:r>
+              <a:t>f, --</a:t>
+            </a:r>
+            <a:r>
+              <a:rPr lang="en-US" sz="2400" b="1" i="1" dirty="0" err="1">
+                <a:solidFill>
+                  <a:schemeClr val="accent2"/>
+                </a:solidFill>
+                <a:latin typeface="+mn-lt"/>
+              </a:rPr>
+              <a:t>failfast</a:t>
+            </a:r>
+            <a:br>
+              <a:rPr lang="en-US" sz="2800" dirty="0">
+                <a:latin typeface="+mn-lt"/>
+              </a:rPr>
+            </a:br>
+            <a:r>
+              <a:rPr lang="en-US" sz="2000" dirty="0">
+                <a:latin typeface="+mn-lt"/>
+              </a:rPr>
+              <a:t>Stop the test run on the first error or failure.</a:t>
+            </a:r>
+            <a:br>
+              <a:rPr lang="en-US" sz="2800" dirty="0">
+                <a:latin typeface="+mn-lt"/>
+              </a:rPr>
+            </a:br>
             <a:br>
               <a:rPr lang="en-US" sz="2400" b="1" i="1" dirty="0">
                 <a:solidFill>
@@ -9988,14 +9020,8 @@
               </a:rPr>
               <a:t>.</a:t>
             </a:r>
-            <a:r>
-              <a:rPr lang="en-US" sz="2800" dirty="0" smtClean="0">
-                <a:latin typeface="+mn-lt"/>
-              </a:rPr>
-              <a:t/>
-            </a:r>
             <a:br>
-              <a:rPr lang="en-US" sz="2800" dirty="0" smtClean="0">
+              <a:rPr lang="en-US" sz="2800" dirty="0">
                 <a:latin typeface="+mn-lt"/>
               </a:rPr>
             </a:br>
@@ -10032,9 +9058,6 @@
               </a:rPr>
               <a:t> Command-line options</a:t>
             </a:r>
-            <a:endParaRPr lang="en-US" sz="3600" dirty="0">
-              <a:latin typeface="+mj-lt"/>
-            </a:endParaRPr>
           </a:p>
         </p:txBody>
       </p:sp>
@@ -10113,12 +9136,6 @@
                 <a:latin typeface="+mn-lt"/>
               </a:rPr>
             </a:br>
-            <a:r>
-              <a:rPr lang="en-US" sz="2800" dirty="0">
-                <a:latin typeface="+mn-lt"/>
-              </a:rPr>
-              <a:t/>
-            </a:r>
             <a:br>
               <a:rPr lang="en-US" sz="2800" dirty="0">
                 <a:latin typeface="+mn-lt"/>
@@ -10144,12 +9161,6 @@
                 <a:latin typeface="+mn-lt"/>
               </a:rPr>
             </a:br>
-            <a:r>
-              <a:rPr lang="en-US" sz="2800" dirty="0">
-                <a:latin typeface="+mn-lt"/>
-              </a:rPr>
-              <a:t/>
-            </a:r>
             <a:br>
               <a:rPr lang="en-US" sz="2800" dirty="0">
                 <a:latin typeface="+mn-lt"/>
@@ -10168,31 +9179,13 @@
               <a:rPr lang="en-US" sz="2800" dirty="0">
                 <a:latin typeface="+mn-lt"/>
               </a:rPr>
-              <a:t>, --start-directory </a:t>
-            </a:r>
-            <a:r>
-              <a:rPr lang="en-US" sz="2800" dirty="0" smtClean="0">
-                <a:latin typeface="+mn-lt"/>
-              </a:rPr>
-              <a:t>directory </a:t>
-            </a:r>
-            <a:r>
-              <a:rPr lang="en-US" sz="2800" dirty="0">
-                <a:latin typeface="+mn-lt"/>
-              </a:rPr>
-              <a:t>(. default)</a:t>
+              <a:t>, --start-directory directory (. default)</a:t>
             </a:r>
             <a:br>
               <a:rPr lang="en-US" sz="2800" dirty="0">
                 <a:latin typeface="+mn-lt"/>
               </a:rPr>
             </a:br>
-            <a:r>
-              <a:rPr lang="en-US" sz="2800" dirty="0">
-                <a:latin typeface="+mn-lt"/>
-              </a:rPr>
-              <a:t/>
-            </a:r>
             <a:br>
               <a:rPr lang="en-US" sz="2800" dirty="0">
                 <a:latin typeface="+mn-lt"/>
@@ -10214,34 +9207,22 @@
               <a:t>, --pattern </a:t>
             </a:r>
             <a:r>
-              <a:rPr lang="en-US" sz="2800" dirty="0" err="1" smtClean="0">
+              <a:rPr lang="en-US" sz="2800" dirty="0" err="1">
                 <a:latin typeface="+mn-lt"/>
               </a:rPr>
               <a:t>pattern</a:t>
             </a:r>
             <a:r>
-              <a:rPr lang="en-US" sz="2800" dirty="0" smtClean="0">
-                <a:latin typeface="+mn-lt"/>
-              </a:rPr>
-              <a:t>. Pattern </a:t>
-            </a:r>
-            <a:r>
               <a:rPr lang="en-US" sz="2800" dirty="0">
                 <a:latin typeface="+mn-lt"/>
               </a:rPr>
-              <a:t>to match test files (test*.py default)</a:t>
+              <a:t>. Pattern to match test files (test*.py default)</a:t>
             </a:r>
             <a:br>
               <a:rPr lang="en-US" sz="2800" dirty="0">
                 <a:latin typeface="+mn-lt"/>
               </a:rPr>
             </a:br>
-            <a:r>
-              <a:rPr lang="en-US" sz="2800" dirty="0">
-                <a:latin typeface="+mn-lt"/>
-              </a:rPr>
-              <a:t/>
-            </a:r>
             <a:br>
               <a:rPr lang="en-US" sz="2800" dirty="0">
                 <a:latin typeface="+mn-lt"/>
@@ -10306,9 +9287,6 @@
               </a:rPr>
               <a:t>Test Discovery</a:t>
             </a:r>
-            <a:endParaRPr lang="en-US" sz="3600" dirty="0">
-              <a:latin typeface="+mj-lt"/>
-            </a:endParaRPr>
           </a:p>
         </p:txBody>
       </p:sp>
@@ -10407,7 +9385,7 @@
         </p:nvSpPr>
         <p:spPr>
           <a:xfrm>
-            <a:off x="328070" y="806351"/>
+            <a:off x="220570" y="629633"/>
             <a:ext cx="11757660" cy="1211579"/>
           </a:xfrm>
         </p:spPr>
@@ -10419,37 +9397,13 @@
           <a:p>
             <a:pPr algn="l"/>
             <a:r>
-              <a:rPr lang="en-US" sz="2800" dirty="0" smtClean="0">
-                <a:latin typeface="+mn-lt"/>
-              </a:rPr>
-              <a:t>Here </a:t>
-            </a:r>
-            <a:r>
               <a:rPr lang="en-US" sz="2800" dirty="0">
                 <a:latin typeface="+mn-lt"/>
               </a:rPr>
-              <a:t>is a short script to test </a:t>
-            </a:r>
-            <a:r>
-              <a:rPr lang="en-US" sz="2800" dirty="0" smtClean="0">
-                <a:latin typeface="+mn-lt"/>
-              </a:rPr>
-              <a:t>three string </a:t>
-            </a:r>
-            <a:r>
+              <a:t>Here is a short script to test three string methods:</a:t>
+            </a:r>
+            <a:br>
               <a:rPr lang="en-US" sz="2800" dirty="0">
-                <a:latin typeface="+mn-lt"/>
-              </a:rPr>
-              <a:t>methods:</a:t>
-            </a:r>
-            <a:r>
-              <a:rPr lang="en-US" sz="2800" dirty="0" smtClean="0">
-                <a:latin typeface="+mn-lt"/>
-              </a:rPr>
-              <a:t/>
-            </a:r>
-            <a:br>
-              <a:rPr lang="en-US" sz="2800" dirty="0" smtClean="0">
                 <a:latin typeface="+mn-lt"/>
               </a:rPr>
             </a:br>
@@ -10497,7 +9451,7 @@
         </p:nvSpPr>
         <p:spPr>
           <a:xfrm>
-            <a:off x="800100" y="1664494"/>
+            <a:off x="906780" y="1527334"/>
             <a:ext cx="10378440" cy="5170646"/>
           </a:xfrm>
           <a:prstGeom prst="rect">
@@ -11075,10 +10029,6 @@
               </a:rPr>
               <a:t>(2)</a:t>
             </a:r>
-            <a:endParaRPr lang="en-US" sz="1600" dirty="0" smtClean="0">
-              <a:latin typeface="Courier New" panose="02070309020205020404" pitchFamily="49" charset="0"/>
-              <a:cs typeface="Courier New" panose="02070309020205020404" pitchFamily="49" charset="0"/>
-            </a:endParaRPr>
           </a:p>
           <a:p>
             <a:endParaRPr lang="en-US" sz="1600" dirty="0">
@@ -11209,512 +10159,242 @@
               <a:rPr lang="en-US" sz="2800" dirty="0">
                 <a:latin typeface="+mn-lt"/>
               </a:rPr>
+              <a:t>(a, b) 			a == b</a:t>
+            </a:r>
+            <a:br>
+              <a:rPr lang="en-US" sz="2800" dirty="0">
+                <a:latin typeface="+mn-lt"/>
+              </a:rPr>
+            </a:br>
+            <a:r>
+              <a:rPr lang="en-US" sz="2800" dirty="0" err="1">
+                <a:latin typeface="+mn-lt"/>
+              </a:rPr>
+              <a:t>assertNotEqual</a:t>
+            </a:r>
+            <a:r>
+              <a:rPr lang="en-US" sz="2800" dirty="0">
+                <a:latin typeface="+mn-lt"/>
+              </a:rPr>
+              <a:t>(a, b) 		a != b </a:t>
+            </a:r>
+            <a:br>
+              <a:rPr lang="en-US" sz="2800" dirty="0">
+                <a:latin typeface="+mn-lt"/>
+              </a:rPr>
+            </a:br>
+            <a:r>
+              <a:rPr lang="en-US" sz="2800" dirty="0" err="1">
+                <a:latin typeface="+mn-lt"/>
+              </a:rPr>
+              <a:t>assertTrue</a:t>
+            </a:r>
+            <a:r>
+              <a:rPr lang="en-US" sz="2800" dirty="0">
+                <a:latin typeface="+mn-lt"/>
+              </a:rPr>
+              <a:t>(x)			bool(x) is True </a:t>
+            </a:r>
+            <a:br>
+              <a:rPr lang="en-US" sz="2800" dirty="0">
+                <a:latin typeface="+mn-lt"/>
+              </a:rPr>
+            </a:br>
+            <a:r>
+              <a:rPr lang="en-US" sz="2800" dirty="0" err="1">
+                <a:latin typeface="+mn-lt"/>
+              </a:rPr>
+              <a:t>assertFalse</a:t>
+            </a:r>
+            <a:r>
+              <a:rPr lang="en-US" sz="2800" dirty="0">
+                <a:latin typeface="+mn-lt"/>
+              </a:rPr>
+              <a:t>(x) 			bool(x) is False </a:t>
+            </a:r>
+            <a:br>
+              <a:rPr lang="en-US" sz="2800" dirty="0">
+                <a:latin typeface="+mn-lt"/>
+              </a:rPr>
+            </a:br>
+            <a:r>
+              <a:rPr lang="en-US" sz="2800" dirty="0" err="1">
+                <a:latin typeface="+mn-lt"/>
+              </a:rPr>
+              <a:t>assertIs</a:t>
+            </a:r>
+            <a:r>
+              <a:rPr lang="en-US" sz="2800" dirty="0">
+                <a:latin typeface="+mn-lt"/>
+              </a:rPr>
+              <a:t>(a, b) 			a is b </a:t>
+            </a:r>
+            <a:br>
+              <a:rPr lang="en-US" sz="2800" dirty="0">
+                <a:latin typeface="+mn-lt"/>
+              </a:rPr>
+            </a:br>
+            <a:r>
+              <a:rPr lang="en-US" sz="2800" dirty="0" err="1">
+                <a:latin typeface="+mn-lt"/>
+              </a:rPr>
+              <a:t>assertIsNot</a:t>
+            </a:r>
+            <a:r>
+              <a:rPr lang="en-US" sz="2800" dirty="0">
+                <a:latin typeface="+mn-lt"/>
+              </a:rPr>
+              <a:t>(a, b) 			a is not b </a:t>
+            </a:r>
+            <a:br>
+              <a:rPr lang="en-US" sz="2800" dirty="0">
+                <a:latin typeface="+mn-lt"/>
+              </a:rPr>
+            </a:br>
+            <a:r>
+              <a:rPr lang="en-US" sz="2800" dirty="0" err="1">
+                <a:latin typeface="+mn-lt"/>
+              </a:rPr>
+              <a:t>assertIsNone</a:t>
+            </a:r>
+            <a:r>
+              <a:rPr lang="en-US" sz="2800" dirty="0">
+                <a:latin typeface="+mn-lt"/>
+              </a:rPr>
+              <a:t>(x) 			x is None </a:t>
+            </a:r>
+            <a:br>
+              <a:rPr lang="en-US" sz="2800" dirty="0">
+                <a:latin typeface="+mn-lt"/>
+              </a:rPr>
+            </a:br>
+            <a:r>
+              <a:rPr lang="en-US" sz="2800" dirty="0" err="1">
+                <a:latin typeface="+mn-lt"/>
+              </a:rPr>
+              <a:t>assertIsNotNone</a:t>
+            </a:r>
+            <a:r>
+              <a:rPr lang="en-US" sz="2800" dirty="0">
+                <a:latin typeface="+mn-lt"/>
+              </a:rPr>
+              <a:t>(x) 		x is not None </a:t>
+            </a:r>
+            <a:br>
+              <a:rPr lang="en-US" sz="2800" dirty="0">
+                <a:latin typeface="+mn-lt"/>
+              </a:rPr>
+            </a:br>
+            <a:r>
+              <a:rPr lang="en-US" sz="2800" dirty="0" err="1">
+                <a:latin typeface="+mn-lt"/>
+              </a:rPr>
+              <a:t>assertIn</a:t>
+            </a:r>
+            <a:r>
+              <a:rPr lang="en-US" sz="2800" dirty="0">
+                <a:latin typeface="+mn-lt"/>
+              </a:rPr>
+              <a:t>(a, b) 			a in b </a:t>
+            </a:r>
+            <a:br>
+              <a:rPr lang="en-US" sz="2800" dirty="0">
+                <a:latin typeface="+mn-lt"/>
+              </a:rPr>
+            </a:br>
+            <a:r>
+              <a:rPr lang="en-US" sz="2800" dirty="0" err="1">
+                <a:latin typeface="+mn-lt"/>
+              </a:rPr>
+              <a:t>assertNotIn</a:t>
+            </a:r>
+            <a:r>
+              <a:rPr lang="en-US" sz="2800" dirty="0">
+                <a:latin typeface="+mn-lt"/>
+              </a:rPr>
+              <a:t>(a, b) 			a not in b </a:t>
+            </a:r>
+            <a:br>
+              <a:rPr lang="en-US" sz="2800" dirty="0">
+                <a:latin typeface="+mn-lt"/>
+              </a:rPr>
+            </a:br>
+            <a:r>
+              <a:rPr lang="en-US" sz="2800" dirty="0" err="1">
+                <a:latin typeface="+mn-lt"/>
+              </a:rPr>
+              <a:t>assertIsInstance</a:t>
+            </a:r>
+            <a:r>
+              <a:rPr lang="en-US" sz="2800" dirty="0">
+                <a:latin typeface="+mn-lt"/>
+              </a:rPr>
+              <a:t>(a, b) 		</a:t>
+            </a:r>
+            <a:r>
+              <a:rPr lang="en-US" sz="2800" dirty="0" err="1">
+                <a:latin typeface="+mn-lt"/>
+              </a:rPr>
+              <a:t>isinstance</a:t>
+            </a:r>
+            <a:r>
+              <a:rPr lang="en-US" sz="2800" dirty="0">
+                <a:latin typeface="+mn-lt"/>
+              </a:rPr>
               <a:t>(a, b) </a:t>
             </a:r>
-            <a:r>
-              <a:rPr lang="en-US" sz="2800" dirty="0" smtClean="0">
-                <a:latin typeface="+mn-lt"/>
-              </a:rPr>
-              <a:t>			a </a:t>
-            </a:r>
-            <a:r>
+            <a:br>
               <a:rPr lang="en-US" sz="2800" dirty="0">
                 <a:latin typeface="+mn-lt"/>
               </a:rPr>
-              <a:t>== </a:t>
-            </a:r>
-            <a:r>
-              <a:rPr lang="en-US" sz="2800" dirty="0" smtClean="0">
-                <a:latin typeface="+mn-lt"/>
-              </a:rPr>
-              <a:t>b</a:t>
-            </a:r>
-            <a:br>
-              <a:rPr lang="en-US" sz="2800" dirty="0" smtClean="0">
-                <a:latin typeface="+mn-lt"/>
-              </a:rPr>
             </a:br>
             <a:r>
-              <a:rPr lang="en-US" sz="2800" dirty="0" err="1" smtClean="0">
-                <a:latin typeface="+mn-lt"/>
-              </a:rPr>
-              <a:t>assertNotEqual</a:t>
-            </a:r>
-            <a:r>
-              <a:rPr lang="en-US" sz="2800" dirty="0" smtClean="0">
-                <a:latin typeface="+mn-lt"/>
-              </a:rPr>
-              <a:t>(a</a:t>
+              <a:rPr lang="en-US" sz="2800" dirty="0" err="1">
+                <a:latin typeface="+mn-lt"/>
+              </a:rPr>
+              <a:t>assertNotIsInstance</a:t>
             </a:r>
             <a:r>
               <a:rPr lang="en-US" sz="2800" dirty="0">
                 <a:latin typeface="+mn-lt"/>
               </a:rPr>
-              <a:t>, b) </a:t>
-            </a:r>
-            <a:r>
-              <a:rPr lang="en-US" sz="2800" dirty="0" smtClean="0">
-                <a:latin typeface="+mn-lt"/>
-              </a:rPr>
-              <a:t>		a </a:t>
+              <a:t>(a, b) 	not </a:t>
+            </a:r>
+            <a:r>
+              <a:rPr lang="en-US" sz="2800" dirty="0" err="1">
+                <a:latin typeface="+mn-lt"/>
+              </a:rPr>
+              <a:t>isinstance</a:t>
             </a:r>
             <a:r>
               <a:rPr lang="en-US" sz="2800" dirty="0">
                 <a:latin typeface="+mn-lt"/>
               </a:rPr>
-              <a:t>!= b </a:t>
-            </a:r>
-            <a:r>
-              <a:rPr lang="en-US" sz="2800" dirty="0" smtClean="0">
-                <a:latin typeface="+mn-lt"/>
-              </a:rPr>
-              <a:t/>
-            </a:r>
-            <a:br>
-              <a:rPr lang="en-US" sz="2800" dirty="0" smtClean="0">
-                <a:latin typeface="+mn-lt"/>
-              </a:rPr>
-            </a:br>
-            <a:r>
-              <a:rPr lang="en-US" sz="2800" dirty="0" err="1" smtClean="0">
-                <a:latin typeface="+mn-lt"/>
-              </a:rPr>
-              <a:t>assertTrue</a:t>
-            </a:r>
-            <a:r>
-              <a:rPr lang="en-US" sz="2800" dirty="0" smtClean="0">
-                <a:latin typeface="+mn-lt"/>
-              </a:rPr>
-              <a:t>(x)			bool(x</a:t>
+              <a:t>(a, b) </a:t>
+            </a:r>
+            <a:r>
+              <a:rPr lang="en-US" sz="2800" dirty="0" err="1">
+                <a:latin typeface="+mn-lt"/>
+              </a:rPr>
+              <a:t>assertRaises</a:t>
             </a:r>
             <a:r>
               <a:rPr lang="en-US" sz="2800" dirty="0">
                 <a:latin typeface="+mn-lt"/>
               </a:rPr>
-              <a:t>) is True </a:t>
-            </a:r>
-            <a:r>
-              <a:rPr lang="en-US" sz="2800" dirty="0" smtClean="0">
-                <a:latin typeface="+mn-lt"/>
-              </a:rPr>
-              <a:t/>
-            </a:r>
-            <a:br>
-              <a:rPr lang="en-US" sz="2800" dirty="0" smtClean="0">
-                <a:latin typeface="+mn-lt"/>
-              </a:rPr>
-            </a:br>
-            <a:r>
-              <a:rPr lang="en-US" sz="2800" dirty="0" err="1" smtClean="0">
-                <a:latin typeface="+mn-lt"/>
-              </a:rPr>
-              <a:t>assertFalse</a:t>
-            </a:r>
-            <a:r>
-              <a:rPr lang="en-US" sz="2800" dirty="0" smtClean="0">
-                <a:latin typeface="+mn-lt"/>
-              </a:rPr>
-              <a:t>(x</a:t>
+              <a:t>(</a:t>
+            </a:r>
+            <a:r>
+              <a:rPr lang="en-US" sz="2800" dirty="0" err="1">
+                <a:latin typeface="+mn-lt"/>
+              </a:rPr>
+              <a:t>exc_type</a:t>
             </a:r>
             <a:r>
               <a:rPr lang="en-US" sz="2800" dirty="0">
                 <a:latin typeface="+mn-lt"/>
               </a:rPr>
-              <a:t>) </a:t>
-            </a:r>
-            <a:r>
-              <a:rPr lang="en-US" sz="2800" dirty="0" smtClean="0">
-                <a:latin typeface="+mn-lt"/>
-              </a:rPr>
-              <a:t>			bool(x</a:t>
-            </a:r>
-            <a:r>
-              <a:rPr lang="en-US" sz="2800" dirty="0">
-                <a:latin typeface="+mn-lt"/>
-              </a:rPr>
-              <a:t>) is False </a:t>
-            </a:r>
-            <a:r>
-              <a:rPr lang="en-US" sz="2800" dirty="0" smtClean="0">
-                <a:latin typeface="+mn-lt"/>
-              </a:rPr>
-              <a:t/>
-            </a:r>
-            <a:br>
-              <a:rPr lang="en-US" sz="2800" dirty="0" smtClean="0">
-                <a:latin typeface="+mn-lt"/>
-              </a:rPr>
-            </a:br>
-            <a:r>
-              <a:rPr lang="en-US" sz="2800" dirty="0" err="1" smtClean="0">
-                <a:latin typeface="+mn-lt"/>
-              </a:rPr>
-              <a:t>assertIs</a:t>
-            </a:r>
-            <a:r>
-              <a:rPr lang="en-US" sz="2800" dirty="0" smtClean="0">
-                <a:latin typeface="+mn-lt"/>
-              </a:rPr>
-              <a:t>(a</a:t>
-            </a:r>
-            <a:r>
-              <a:rPr lang="en-US" sz="2800" dirty="0">
-                <a:latin typeface="+mn-lt"/>
-              </a:rPr>
-              <a:t>, b) </a:t>
-            </a:r>
-            <a:r>
-              <a:rPr lang="en-US" sz="2800" dirty="0" smtClean="0">
-                <a:latin typeface="+mn-lt"/>
-              </a:rPr>
-              <a:t>			a </a:t>
-            </a:r>
-            <a:r>
-              <a:rPr lang="en-US" sz="2800" dirty="0">
-                <a:latin typeface="+mn-lt"/>
-              </a:rPr>
-              <a:t>is b </a:t>
-            </a:r>
-            <a:r>
-              <a:rPr lang="en-US" sz="2800" dirty="0" smtClean="0">
-                <a:latin typeface="+mn-lt"/>
-              </a:rPr>
-              <a:t/>
-            </a:r>
-            <a:br>
-              <a:rPr lang="en-US" sz="2800" dirty="0" smtClean="0">
-                <a:latin typeface="+mn-lt"/>
-              </a:rPr>
-            </a:br>
-            <a:r>
-              <a:rPr lang="en-US" sz="2800" dirty="0" err="1" smtClean="0">
-                <a:latin typeface="+mn-lt"/>
-              </a:rPr>
-              <a:t>assertIsNot</a:t>
-            </a:r>
-            <a:r>
-              <a:rPr lang="en-US" sz="2800" dirty="0" smtClean="0">
-                <a:latin typeface="+mn-lt"/>
-              </a:rPr>
-              <a:t>(a</a:t>
-            </a:r>
-            <a:r>
-              <a:rPr lang="en-US" sz="2800" dirty="0">
-                <a:latin typeface="+mn-lt"/>
-              </a:rPr>
-              <a:t>, b) </a:t>
-            </a:r>
-            <a:r>
-              <a:rPr lang="en-US" sz="2800" dirty="0" smtClean="0">
-                <a:latin typeface="+mn-lt"/>
-              </a:rPr>
-              <a:t>			a </a:t>
-            </a:r>
-            <a:r>
-              <a:rPr lang="en-US" sz="2800" dirty="0">
-                <a:latin typeface="+mn-lt"/>
-              </a:rPr>
-              <a:t>is not b </a:t>
-            </a:r>
-            <a:r>
-              <a:rPr lang="en-US" sz="2800" dirty="0" smtClean="0">
-                <a:latin typeface="+mn-lt"/>
-              </a:rPr>
-              <a:t/>
-            </a:r>
-            <a:br>
-              <a:rPr lang="en-US" sz="2800" dirty="0" smtClean="0">
-                <a:latin typeface="+mn-lt"/>
-              </a:rPr>
-            </a:br>
-            <a:r>
-              <a:rPr lang="en-US" sz="2800" dirty="0" err="1" smtClean="0">
-                <a:latin typeface="+mn-lt"/>
-              </a:rPr>
-              <a:t>assertIsNone</a:t>
-            </a:r>
-            <a:r>
-              <a:rPr lang="en-US" sz="2800" dirty="0" smtClean="0">
-                <a:latin typeface="+mn-lt"/>
-              </a:rPr>
-              <a:t>(x</a:t>
-            </a:r>
-            <a:r>
-              <a:rPr lang="en-US" sz="2800" dirty="0">
-                <a:latin typeface="+mn-lt"/>
-              </a:rPr>
-              <a:t>) </a:t>
-            </a:r>
-            <a:r>
-              <a:rPr lang="en-US" sz="2800" dirty="0" smtClean="0">
-                <a:latin typeface="+mn-lt"/>
-              </a:rPr>
-              <a:t>			x </a:t>
-            </a:r>
-            <a:r>
-              <a:rPr lang="en-US" sz="2800" dirty="0">
-                <a:latin typeface="+mn-lt"/>
-              </a:rPr>
-              <a:t>is None </a:t>
-            </a:r>
-            <a:r>
-              <a:rPr lang="en-US" sz="2800" dirty="0" smtClean="0">
-                <a:latin typeface="+mn-lt"/>
-              </a:rPr>
-              <a:t/>
-            </a:r>
-            <a:br>
-              <a:rPr lang="en-US" sz="2800" dirty="0" smtClean="0">
-                <a:latin typeface="+mn-lt"/>
-              </a:rPr>
-            </a:br>
-            <a:r>
-              <a:rPr lang="en-US" sz="2800" dirty="0" err="1" smtClean="0">
-                <a:latin typeface="+mn-lt"/>
-              </a:rPr>
-              <a:t>assertIsNotNone</a:t>
-            </a:r>
-            <a:r>
-              <a:rPr lang="en-US" sz="2800" dirty="0" smtClean="0">
-                <a:latin typeface="+mn-lt"/>
-              </a:rPr>
-              <a:t>(x</a:t>
-            </a:r>
-            <a:r>
-              <a:rPr lang="en-US" sz="2800" dirty="0">
-                <a:latin typeface="+mn-lt"/>
-              </a:rPr>
-              <a:t>) </a:t>
-            </a:r>
-            <a:r>
-              <a:rPr lang="en-US" sz="2800" dirty="0" smtClean="0">
-                <a:latin typeface="+mn-lt"/>
-              </a:rPr>
-              <a:t>		x </a:t>
-            </a:r>
-            <a:r>
-              <a:rPr lang="en-US" sz="2800" dirty="0">
-                <a:latin typeface="+mn-lt"/>
-              </a:rPr>
-              <a:t>is not None </a:t>
-            </a:r>
-            <a:r>
-              <a:rPr lang="en-US" sz="2800" dirty="0" smtClean="0">
-                <a:latin typeface="+mn-lt"/>
-              </a:rPr>
-              <a:t/>
-            </a:r>
-            <a:br>
-              <a:rPr lang="en-US" sz="2800" dirty="0" smtClean="0">
-                <a:latin typeface="+mn-lt"/>
-              </a:rPr>
-            </a:br>
-            <a:r>
-              <a:rPr lang="en-US" sz="2800" dirty="0" err="1" smtClean="0">
-                <a:latin typeface="+mn-lt"/>
-              </a:rPr>
-              <a:t>assertIn</a:t>
-            </a:r>
-            <a:r>
-              <a:rPr lang="en-US" sz="2800" dirty="0" smtClean="0">
-                <a:latin typeface="+mn-lt"/>
-              </a:rPr>
-              <a:t>(a</a:t>
-            </a:r>
-            <a:r>
-              <a:rPr lang="en-US" sz="2800" dirty="0">
-                <a:latin typeface="+mn-lt"/>
-              </a:rPr>
-              <a:t>, b) </a:t>
-            </a:r>
-            <a:r>
-              <a:rPr lang="en-US" sz="2800" dirty="0" smtClean="0">
-                <a:latin typeface="+mn-lt"/>
-              </a:rPr>
-              <a:t>			a </a:t>
-            </a:r>
-            <a:r>
-              <a:rPr lang="en-US" sz="2800" dirty="0">
-                <a:latin typeface="+mn-lt"/>
-              </a:rPr>
-              <a:t>in b </a:t>
-            </a:r>
-            <a:r>
-              <a:rPr lang="en-US" sz="2800" dirty="0" smtClean="0">
-                <a:latin typeface="+mn-lt"/>
-              </a:rPr>
-              <a:t/>
-            </a:r>
-            <a:br>
-              <a:rPr lang="en-US" sz="2800" dirty="0" smtClean="0">
-                <a:latin typeface="+mn-lt"/>
-              </a:rPr>
-            </a:br>
-            <a:r>
-              <a:rPr lang="en-US" sz="2800" dirty="0" err="1" smtClean="0">
-                <a:latin typeface="+mn-lt"/>
-              </a:rPr>
-              <a:t>assertNotIn</a:t>
-            </a:r>
-            <a:r>
-              <a:rPr lang="en-US" sz="2800" dirty="0" smtClean="0">
-                <a:latin typeface="+mn-lt"/>
-              </a:rPr>
-              <a:t>(a</a:t>
-            </a:r>
-            <a:r>
-              <a:rPr lang="en-US" sz="2800" dirty="0">
-                <a:latin typeface="+mn-lt"/>
-              </a:rPr>
-              <a:t>, b) </a:t>
-            </a:r>
-            <a:r>
-              <a:rPr lang="en-US" sz="2800" dirty="0" smtClean="0">
-                <a:latin typeface="+mn-lt"/>
-              </a:rPr>
-              <a:t>			a </a:t>
-            </a:r>
-            <a:r>
-              <a:rPr lang="en-US" sz="2800" dirty="0">
-                <a:latin typeface="+mn-lt"/>
-              </a:rPr>
-              <a:t>not in b </a:t>
-            </a:r>
-            <a:r>
-              <a:rPr lang="en-US" sz="2800" dirty="0" smtClean="0">
-                <a:latin typeface="+mn-lt"/>
-              </a:rPr>
-              <a:t/>
-            </a:r>
-            <a:br>
-              <a:rPr lang="en-US" sz="2800" dirty="0" smtClean="0">
-                <a:latin typeface="+mn-lt"/>
-              </a:rPr>
-            </a:br>
-            <a:r>
-              <a:rPr lang="en-US" sz="2800" dirty="0" err="1" smtClean="0">
-                <a:latin typeface="+mn-lt"/>
-              </a:rPr>
-              <a:t>assertIsInstance</a:t>
-            </a:r>
-            <a:r>
-              <a:rPr lang="en-US" sz="2800" dirty="0" smtClean="0">
-                <a:latin typeface="+mn-lt"/>
-              </a:rPr>
-              <a:t>(a</a:t>
-            </a:r>
-            <a:r>
-              <a:rPr lang="en-US" sz="2800" dirty="0">
-                <a:latin typeface="+mn-lt"/>
-              </a:rPr>
-              <a:t>, b) </a:t>
-            </a:r>
-            <a:r>
-              <a:rPr lang="en-US" sz="2800" dirty="0" smtClean="0">
-                <a:latin typeface="+mn-lt"/>
-              </a:rPr>
-              <a:t>		</a:t>
-            </a:r>
-            <a:r>
-              <a:rPr lang="en-US" sz="2800" dirty="0" err="1" smtClean="0">
-                <a:latin typeface="+mn-lt"/>
-              </a:rPr>
-              <a:t>isinstance</a:t>
-            </a:r>
-            <a:r>
-              <a:rPr lang="en-US" sz="2800" dirty="0" smtClean="0">
-                <a:latin typeface="+mn-lt"/>
-              </a:rPr>
-              <a:t>(a</a:t>
-            </a:r>
-            <a:r>
-              <a:rPr lang="en-US" sz="2800" dirty="0">
-                <a:latin typeface="+mn-lt"/>
-              </a:rPr>
-              <a:t>, b) </a:t>
-            </a:r>
-            <a:r>
-              <a:rPr lang="en-US" sz="2800" dirty="0" smtClean="0">
-                <a:latin typeface="+mn-lt"/>
-              </a:rPr>
-              <a:t/>
-            </a:r>
-            <a:br>
-              <a:rPr lang="en-US" sz="2800" dirty="0" smtClean="0">
-                <a:latin typeface="+mn-lt"/>
-              </a:rPr>
-            </a:br>
-            <a:r>
-              <a:rPr lang="en-US" sz="2800" dirty="0" err="1" smtClean="0">
-                <a:latin typeface="+mn-lt"/>
-              </a:rPr>
-              <a:t>assertNotIsInstance</a:t>
-            </a:r>
-            <a:r>
-              <a:rPr lang="en-US" sz="2800" dirty="0" smtClean="0">
-                <a:latin typeface="+mn-lt"/>
-              </a:rPr>
-              <a:t>(a</a:t>
-            </a:r>
-            <a:r>
-              <a:rPr lang="en-US" sz="2800" dirty="0">
-                <a:latin typeface="+mn-lt"/>
-              </a:rPr>
-              <a:t>, b) </a:t>
-            </a:r>
-            <a:r>
-              <a:rPr lang="en-US" sz="2800" dirty="0" smtClean="0">
-                <a:latin typeface="+mn-lt"/>
-              </a:rPr>
-              <a:t>	not </a:t>
-            </a:r>
-            <a:r>
-              <a:rPr lang="en-US" sz="2800" dirty="0" err="1">
-                <a:latin typeface="+mn-lt"/>
-              </a:rPr>
-              <a:t>isinstance</a:t>
-            </a:r>
-            <a:r>
-              <a:rPr lang="en-US" sz="2800" dirty="0">
-                <a:latin typeface="+mn-lt"/>
-              </a:rPr>
-              <a:t>(a, b) </a:t>
-            </a:r>
-            <a:r>
-              <a:rPr lang="en-US" sz="2800" dirty="0" err="1">
-                <a:latin typeface="+mn-lt"/>
-              </a:rPr>
-              <a:t>assertRaises</a:t>
-            </a:r>
-            <a:r>
-              <a:rPr lang="en-US" sz="2800" dirty="0">
-                <a:latin typeface="+mn-lt"/>
-              </a:rPr>
-              <a:t>(</a:t>
-            </a:r>
-            <a:r>
-              <a:rPr lang="en-US" sz="2800" dirty="0" err="1">
-                <a:latin typeface="+mn-lt"/>
-              </a:rPr>
-              <a:t>exc_type</a:t>
-            </a:r>
-            <a:r>
-              <a:rPr lang="en-US" sz="2800" dirty="0">
-                <a:latin typeface="+mn-lt"/>
-              </a:rPr>
-              <a:t>) </a:t>
-            </a:r>
-            <a:r>
-              <a:rPr lang="en-US" sz="2800" dirty="0" smtClean="0">
-                <a:latin typeface="+mn-lt"/>
-              </a:rPr>
-              <a:t>		# </a:t>
-            </a:r>
-            <a:r>
-              <a:rPr lang="en-US" sz="2800" dirty="0">
-                <a:latin typeface="+mn-lt"/>
-              </a:rPr>
-              <a:t>? </a:t>
+              <a:t>) 		# ? </a:t>
             </a:r>
             <a:endParaRPr lang="ru-RU" sz="2800" dirty="0">
               <a:latin typeface="+mn-lt"/>
@@ -11754,17 +10434,17 @@
               <a:t> </a:t>
             </a:r>
             <a:r>
-              <a:rPr lang="en-US" sz="3600" dirty="0" smtClean="0">
+              <a:rPr lang="en-US" sz="3600" dirty="0">
                 <a:latin typeface="+mj-lt"/>
               </a:rPr>
               <a:t>of</a:t>
             </a:r>
             <a:r>
-              <a:rPr lang="en-US" sz="3600" dirty="0" smtClean="0"/>
+              <a:rPr lang="en-US" sz="3600" dirty="0"/>
               <a:t> </a:t>
             </a:r>
             <a:r>
-              <a:rPr lang="en-US" sz="3600" dirty="0" err="1" smtClean="0">
+              <a:rPr lang="en-US" sz="3600" dirty="0" err="1">
                 <a:latin typeface="+mj-lt"/>
               </a:rPr>
               <a:t>unittest.TestCase</a:t>
@@ -11859,20 +10539,8 @@
               </a:lnSpc>
             </a:pPr>
             <a:r>
-              <a:rPr lang="en-US" sz="2800" dirty="0" smtClean="0"/>
-              <a:t>	Method</a:t>
-            </a:r>
-            <a:r>
               <a:rPr lang="en-US" sz="2800" dirty="0"/>
-              <a:t>	</a:t>
-            </a:r>
-            <a:r>
-              <a:rPr lang="en-US" sz="2800" dirty="0" smtClean="0"/>
-              <a:t>					Checks that</a:t>
-            </a:r>
-            <a:r>
-              <a:rPr lang="en-US" sz="2800" dirty="0"/>
-              <a:t/>
+              <a:t>	Method						Checks that</a:t>
             </a:r>
             <a:br>
               <a:rPr lang="en-US" sz="2800" dirty="0"/>
@@ -11899,15 +10567,7 @@
             </a:r>
             <a:r>
               <a:rPr lang="en-US" sz="2800" dirty="0"/>
-              <a:t>	</a:t>
-            </a:r>
-            <a:r>
-              <a:rPr lang="en-US" sz="2800" dirty="0" smtClean="0"/>
-              <a:t>	round(a-b</a:t>
-            </a:r>
-            <a:r>
-              <a:rPr lang="en-US" sz="2800" dirty="0"/>
-              <a:t>, 7) == 0	 </a:t>
+              <a:t>		round(a-b, 7) == 0	 </a:t>
             </a:r>
             <a:br>
               <a:rPr lang="en-US" sz="2800" dirty="0"/>
@@ -11960,20 +10620,8 @@
               <a:t>(a, b)	</a:t>
             </a:r>
             <a:r>
-              <a:rPr lang="en-US" sz="2800" dirty="0" smtClean="0"/>
-              <a:t>		a </a:t>
-            </a:r>
-            <a:r>
               <a:rPr lang="en-US" sz="2800" dirty="0"/>
-              <a:t>&gt; </a:t>
-            </a:r>
-            <a:r>
-              <a:rPr lang="en-US" sz="2800" dirty="0" smtClean="0"/>
-              <a:t>b</a:t>
-            </a:r>
-            <a:r>
-              <a:rPr lang="en-US" sz="2800" dirty="0"/>
-              <a:t/>
+              <a:t>		a &gt; b</a:t>
             </a:r>
             <a:br>
               <a:rPr lang="en-US" sz="2800" dirty="0"/>
@@ -11999,12 +10647,8 @@
               <a:t>(a, b)	</a:t>
             </a:r>
             <a:r>
-              <a:rPr lang="en-US" sz="2800" dirty="0" smtClean="0"/>
-              <a:t>	a </a:t>
-            </a:r>
-            <a:r>
               <a:rPr lang="en-US" sz="2800" dirty="0"/>
-              <a:t>&gt;= b	</a:t>
+              <a:t>	a &gt;= b	</a:t>
             </a:r>
             <a:br>
               <a:rPr lang="en-US" sz="2800" dirty="0"/>
@@ -12030,12 +10674,8 @@
               <a:t>(a, b)	</a:t>
             </a:r>
             <a:r>
-              <a:rPr lang="en-US" sz="2800" dirty="0" smtClean="0"/>
-              <a:t>			a </a:t>
-            </a:r>
-            <a:r>
               <a:rPr lang="en-US" sz="2800" dirty="0"/>
-              <a:t>&lt; b	</a:t>
+              <a:t>			a &lt; b	</a:t>
             </a:r>
             <a:br>
               <a:rPr lang="en-US" sz="2800" dirty="0"/>
@@ -12062,15 +10702,7 @@
             </a:r>
             <a:r>
               <a:rPr lang="en-US" sz="2800" dirty="0"/>
-              <a:t>	</a:t>
-            </a:r>
-            <a:r>
-              <a:rPr lang="en-US" sz="2800" dirty="0" smtClean="0"/>
-              <a:t>		a </a:t>
-            </a:r>
-            <a:r>
-              <a:rPr lang="en-US" sz="2800" dirty="0"/>
-              <a:t>&lt;= b	</a:t>
+              <a:t>			a &lt;= b	</a:t>
             </a:r>
             <a:br>
               <a:rPr lang="en-US" sz="2800" dirty="0"/>
@@ -12096,20 +10728,16 @@
               <a:t>(s, r)	</a:t>
             </a:r>
             <a:r>
-              <a:rPr lang="en-US" sz="2800" dirty="0" smtClean="0"/>
+              <a:rPr lang="en-US" sz="2800" dirty="0"/>
               <a:t>			</a:t>
             </a:r>
             <a:r>
-              <a:rPr lang="en-US" sz="2800" dirty="0" err="1" smtClean="0"/>
+              <a:rPr lang="en-US" sz="2800" dirty="0" err="1"/>
               <a:t>r.search</a:t>
             </a:r>
             <a:r>
-              <a:rPr lang="en-US" sz="2800" dirty="0" smtClean="0"/>
-              <a:t>(s</a:t>
-            </a:r>
-            <a:r>
               <a:rPr lang="en-US" sz="2800" dirty="0"/>
-              <a:t>)	</a:t>
+              <a:t>(s)	</a:t>
             </a:r>
             <a:br>
               <a:rPr lang="en-US" sz="2800" dirty="0"/>
@@ -12136,11 +10764,7 @@
             </a:r>
             <a:r>
               <a:rPr lang="en-US" sz="2800" dirty="0"/>
-              <a:t>	</a:t>
-            </a:r>
-            <a:r>
-              <a:rPr lang="en-US" sz="2800" dirty="0" smtClean="0"/>
-              <a:t>		not </a:t>
+              <a:t>			not </a:t>
             </a:r>
             <a:r>
               <a:rPr lang="en-US" sz="2800" dirty="0" err="1"/>
@@ -12175,35 +10799,7 @@
             </a:r>
             <a:r>
               <a:rPr lang="en-US" sz="2800" dirty="0"/>
-              <a:t>	</a:t>
-            </a:r>
-            <a:r>
-              <a:rPr lang="en-US" sz="2800" dirty="0" smtClean="0"/>
-              <a:t>	a </a:t>
-            </a:r>
-            <a:r>
-              <a:rPr lang="en-US" sz="2800" dirty="0"/>
-              <a:t>and b have the same elements </a:t>
-            </a:r>
-            <a:r>
-              <a:rPr lang="en-US" sz="2800" dirty="0" smtClean="0"/>
-              <a:t>							in </a:t>
-            </a:r>
-            <a:r>
-              <a:rPr lang="en-US" sz="2800" dirty="0"/>
-              <a:t>the </a:t>
-            </a:r>
-            <a:r>
-              <a:rPr lang="en-US" sz="2800" dirty="0" smtClean="0"/>
-              <a:t>	same </a:t>
-            </a:r>
-            <a:r>
-              <a:rPr lang="en-US" sz="2800" dirty="0"/>
-              <a:t>number, regardless </a:t>
-            </a:r>
-            <a:r>
-              <a:rPr lang="en-US" sz="2800" dirty="0" smtClean="0"/>
-              <a:t>							of their order</a:t>
+              <a:t>		a and b have the same elements 							in the 	same number, regardless 							of their order</a:t>
             </a:r>
             <a:endParaRPr lang="ru-RU" sz="2800" dirty="0">
               <a:latin typeface="+mn-lt"/>
@@ -12243,17 +10839,17 @@
               <a:t> </a:t>
             </a:r>
             <a:r>
-              <a:rPr lang="en-US" sz="3600" dirty="0" smtClean="0">
+              <a:rPr lang="en-US" sz="3600" dirty="0">
                 <a:latin typeface="+mj-lt"/>
               </a:rPr>
               <a:t>of</a:t>
             </a:r>
             <a:r>
-              <a:rPr lang="en-US" sz="3600" dirty="0" smtClean="0"/>
+              <a:rPr lang="en-US" sz="3600" dirty="0"/>
               <a:t> </a:t>
             </a:r>
             <a:r>
-              <a:rPr lang="en-US" sz="3600" dirty="0" err="1" smtClean="0">
+              <a:rPr lang="en-US" sz="3600" dirty="0" err="1">
                 <a:latin typeface="+mj-lt"/>
               </a:rPr>
               <a:t>unittest.TestCase</a:t>
